--- a/測定回路図.pptx
+++ b/測定回路図.pptx
@@ -6,7 +6,8 @@
   </p:sldMasterIdLst>
   <p:sldIdLst>
     <p:sldId id="256" r:id="rId2"/>
-    <p:sldId id="257" r:id="rId3"/>
+    <p:sldId id="258" r:id="rId3"/>
+    <p:sldId id="257" r:id="rId4"/>
   </p:sldIdLst>
   <p:sldSz cx="12192000" cy="6858000"/>
   <p:notesSz cx="6858000" cy="9144000"/>
@@ -105,6 +106,11 @@
       </a:defRPr>
     </a:lvl9pPr>
   </p:defaultTextStyle>
+  <p:extLst>
+    <p:ext uri="{EFAFB233-063F-42B5-8137-9DF3F51BA10A}">
+      <p15:sldGuideLst xmlns:p15="http://schemas.microsoft.com/office/powerpoint/2012/main"/>
+    </p:ext>
+  </p:extLst>
 </p:presentation>
 </file>
 
@@ -5095,7 +5101,7 @@
               <a:rPr lang="en-US" altLang="ja-JP" sz="2400" dirty="0"/>
               <a:t>Bridge Supply Voltage</a:t>
             </a:r>
-            <a:endParaRPr kumimoji="1" lang="ja-JP" altLang="en-US" sz="2400"/>
+            <a:endParaRPr kumimoji="1" lang="ja-JP" altLang="en-US" sz="2400" dirty="0"/>
           </a:p>
         </p:txBody>
       </p:sp>
@@ -5407,6 +5413,2734 @@
           <a:chExt cx="0" cy="0"/>
         </a:xfrm>
       </p:grpSpPr>
+      <p:sp>
+        <p:nvSpPr>
+          <p:cNvPr id="63" name="正方形/長方形 62">
+            <a:extLst>
+              <a:ext uri="{FF2B5EF4-FFF2-40B4-BE49-F238E27FC236}">
+                <a16:creationId xmlns:a16="http://schemas.microsoft.com/office/drawing/2014/main" id="{5EFED9A4-9202-A440-B0AC-BF23E4954753}"/>
+              </a:ext>
+            </a:extLst>
+          </p:cNvPr>
+          <p:cNvSpPr/>
+          <p:nvPr/>
+        </p:nvSpPr>
+        <p:spPr>
+          <a:xfrm>
+            <a:off x="1926336" y="719327"/>
+            <a:ext cx="6035040" cy="3679213"/>
+          </a:xfrm>
+          <a:prstGeom prst="rect">
+            <a:avLst/>
+          </a:prstGeom>
+          <a:solidFill>
+            <a:schemeClr val="accent1">
+              <a:alpha val="59000"/>
+            </a:schemeClr>
+          </a:solidFill>
+          <a:ln>
+            <a:noFill/>
+          </a:ln>
+        </p:spPr>
+        <p:style>
+          <a:lnRef idx="2">
+            <a:schemeClr val="accent1">
+              <a:shade val="50000"/>
+            </a:schemeClr>
+          </a:lnRef>
+          <a:fillRef idx="1">
+            <a:schemeClr val="accent1"/>
+          </a:fillRef>
+          <a:effectRef idx="0">
+            <a:schemeClr val="accent1"/>
+          </a:effectRef>
+          <a:fontRef idx="minor">
+            <a:schemeClr val="lt1"/>
+          </a:fontRef>
+        </p:style>
+        <p:txBody>
+          <a:bodyPr rtlCol="0" anchor="ctr"/>
+          <a:lstStyle/>
+          <a:p>
+            <a:pPr algn="ctr"/>
+            <a:endParaRPr kumimoji="1" lang="ja-JP" altLang="en-US"/>
+          </a:p>
+        </p:txBody>
+      </p:sp>
+      <p:pic>
+        <p:nvPicPr>
+          <p:cNvPr id="5" name="図 4">
+            <a:extLst>
+              <a:ext uri="{FF2B5EF4-FFF2-40B4-BE49-F238E27FC236}">
+                <a16:creationId xmlns:a16="http://schemas.microsoft.com/office/drawing/2014/main" id="{5CDB2AD0-E44D-BB48-B9F9-75D55A6DB8C5}"/>
+              </a:ext>
+            </a:extLst>
+          </p:cNvPr>
+          <p:cNvPicPr>
+            <a:picLocks noChangeAspect="1"/>
+          </p:cNvPicPr>
+          <p:nvPr/>
+        </p:nvPicPr>
+        <p:blipFill rotWithShape="1">
+          <a:blip r:embed="rId2"/>
+          <a:srcRect l="37142" t="32015" b="23885"/>
+          <a:stretch/>
+        </p:blipFill>
+        <p:spPr>
+          <a:xfrm rot="10800000">
+            <a:off x="465030" y="1229716"/>
+            <a:ext cx="2194560" cy="950976"/>
+          </a:xfrm>
+          <a:prstGeom prst="rect">
+            <a:avLst/>
+          </a:prstGeom>
+        </p:spPr>
+      </p:pic>
+      <p:cxnSp>
+        <p:nvCxnSpPr>
+          <p:cNvPr id="7" name="直線コネクタ 6">
+            <a:extLst>
+              <a:ext uri="{FF2B5EF4-FFF2-40B4-BE49-F238E27FC236}">
+                <a16:creationId xmlns:a16="http://schemas.microsoft.com/office/drawing/2014/main" id="{B17A3E5D-04E2-174F-9FDC-85E6080DAE46}"/>
+              </a:ext>
+            </a:extLst>
+          </p:cNvPr>
+          <p:cNvCxnSpPr>
+            <a:cxnSpLocks/>
+          </p:cNvCxnSpPr>
+          <p:nvPr/>
+        </p:nvCxnSpPr>
+        <p:spPr>
+          <a:xfrm flipV="1">
+            <a:off x="2793866" y="1293195"/>
+            <a:ext cx="396000" cy="396000"/>
+          </a:xfrm>
+          <a:prstGeom prst="line">
+            <a:avLst/>
+          </a:prstGeom>
+          <a:ln w="38100">
+            <a:solidFill>
+              <a:schemeClr val="tx1"/>
+            </a:solidFill>
+          </a:ln>
+        </p:spPr>
+        <p:style>
+          <a:lnRef idx="1">
+            <a:schemeClr val="accent1"/>
+          </a:lnRef>
+          <a:fillRef idx="0">
+            <a:schemeClr val="accent1"/>
+          </a:fillRef>
+          <a:effectRef idx="0">
+            <a:schemeClr val="accent1"/>
+          </a:effectRef>
+          <a:fontRef idx="minor">
+            <a:schemeClr val="tx1"/>
+          </a:fontRef>
+        </p:style>
+      </p:cxnSp>
+      <p:cxnSp>
+        <p:nvCxnSpPr>
+          <p:cNvPr id="8" name="直線コネクタ 7">
+            <a:extLst>
+              <a:ext uri="{FF2B5EF4-FFF2-40B4-BE49-F238E27FC236}">
+                <a16:creationId xmlns:a16="http://schemas.microsoft.com/office/drawing/2014/main" id="{EAC53442-A846-494E-ABAF-938D188B922D}"/>
+              </a:ext>
+            </a:extLst>
+          </p:cNvPr>
+          <p:cNvCxnSpPr/>
+          <p:nvPr/>
+        </p:nvCxnSpPr>
+        <p:spPr>
+          <a:xfrm flipV="1">
+            <a:off x="3150864" y="2860070"/>
+            <a:ext cx="396000" cy="396000"/>
+          </a:xfrm>
+          <a:prstGeom prst="line">
+            <a:avLst/>
+          </a:prstGeom>
+          <a:ln w="38100">
+            <a:solidFill>
+              <a:schemeClr val="tx1"/>
+            </a:solidFill>
+          </a:ln>
+        </p:spPr>
+        <p:style>
+          <a:lnRef idx="1">
+            <a:schemeClr val="accent1"/>
+          </a:lnRef>
+          <a:fillRef idx="0">
+            <a:schemeClr val="accent1"/>
+          </a:fillRef>
+          <a:effectRef idx="0">
+            <a:schemeClr val="accent1"/>
+          </a:effectRef>
+          <a:fontRef idx="minor">
+            <a:schemeClr val="tx1"/>
+          </a:fontRef>
+        </p:style>
+      </p:cxnSp>
+      <p:cxnSp>
+        <p:nvCxnSpPr>
+          <p:cNvPr id="9" name="直線コネクタ 8">
+            <a:extLst>
+              <a:ext uri="{FF2B5EF4-FFF2-40B4-BE49-F238E27FC236}">
+                <a16:creationId xmlns:a16="http://schemas.microsoft.com/office/drawing/2014/main" id="{92867A4A-10E6-8044-B59B-5053CCB1D3F9}"/>
+              </a:ext>
+            </a:extLst>
+          </p:cNvPr>
+          <p:cNvCxnSpPr>
+            <a:cxnSpLocks/>
+          </p:cNvCxnSpPr>
+          <p:nvPr/>
+        </p:nvCxnSpPr>
+        <p:spPr>
+          <a:xfrm flipH="1" flipV="1">
+            <a:off x="3179904" y="1317840"/>
+            <a:ext cx="972000" cy="972000"/>
+          </a:xfrm>
+          <a:prstGeom prst="line">
+            <a:avLst/>
+          </a:prstGeom>
+          <a:ln w="38100">
+            <a:solidFill>
+              <a:schemeClr val="tx1"/>
+            </a:solidFill>
+          </a:ln>
+        </p:spPr>
+        <p:style>
+          <a:lnRef idx="1">
+            <a:schemeClr val="accent1"/>
+          </a:lnRef>
+          <a:fillRef idx="0">
+            <a:schemeClr val="accent1"/>
+          </a:fillRef>
+          <a:effectRef idx="0">
+            <a:schemeClr val="accent1"/>
+          </a:effectRef>
+          <a:fontRef idx="minor">
+            <a:schemeClr val="tx1"/>
+          </a:fontRef>
+        </p:style>
+      </p:cxnSp>
+      <p:cxnSp>
+        <p:nvCxnSpPr>
+          <p:cNvPr id="13" name="直線コネクタ 12">
+            <a:extLst>
+              <a:ext uri="{FF2B5EF4-FFF2-40B4-BE49-F238E27FC236}">
+                <a16:creationId xmlns:a16="http://schemas.microsoft.com/office/drawing/2014/main" id="{F7F77521-F92B-024C-9144-41B424DE0442}"/>
+              </a:ext>
+            </a:extLst>
+          </p:cNvPr>
+          <p:cNvCxnSpPr>
+            <a:cxnSpLocks/>
+          </p:cNvCxnSpPr>
+          <p:nvPr/>
+        </p:nvCxnSpPr>
+        <p:spPr>
+          <a:xfrm flipH="1" flipV="1">
+            <a:off x="2212702" y="2262336"/>
+            <a:ext cx="972000" cy="972000"/>
+          </a:xfrm>
+          <a:prstGeom prst="line">
+            <a:avLst/>
+          </a:prstGeom>
+          <a:ln w="38100">
+            <a:solidFill>
+              <a:schemeClr val="tx1"/>
+            </a:solidFill>
+          </a:ln>
+        </p:spPr>
+        <p:style>
+          <a:lnRef idx="1">
+            <a:schemeClr val="accent1"/>
+          </a:lnRef>
+          <a:fillRef idx="0">
+            <a:schemeClr val="accent1"/>
+          </a:fillRef>
+          <a:effectRef idx="0">
+            <a:schemeClr val="accent1"/>
+          </a:effectRef>
+          <a:fontRef idx="minor">
+            <a:schemeClr val="tx1"/>
+          </a:fontRef>
+        </p:style>
+      </p:cxnSp>
+      <p:cxnSp>
+        <p:nvCxnSpPr>
+          <p:cNvPr id="14" name="直線コネクタ 13">
+            <a:extLst>
+              <a:ext uri="{FF2B5EF4-FFF2-40B4-BE49-F238E27FC236}">
+                <a16:creationId xmlns:a16="http://schemas.microsoft.com/office/drawing/2014/main" id="{61981C21-EB0F-614A-AEB5-AB1684A1B044}"/>
+              </a:ext>
+            </a:extLst>
+          </p:cNvPr>
+          <p:cNvCxnSpPr>
+            <a:cxnSpLocks/>
+          </p:cNvCxnSpPr>
+          <p:nvPr/>
+        </p:nvCxnSpPr>
+        <p:spPr>
+          <a:xfrm flipH="1" flipV="1">
+            <a:off x="2226856" y="2298700"/>
+            <a:ext cx="0" cy="1836000"/>
+          </a:xfrm>
+          <a:prstGeom prst="line">
+            <a:avLst/>
+          </a:prstGeom>
+          <a:ln w="38100">
+            <a:solidFill>
+              <a:schemeClr val="tx1"/>
+            </a:solidFill>
+          </a:ln>
+        </p:spPr>
+        <p:style>
+          <a:lnRef idx="1">
+            <a:schemeClr val="accent1"/>
+          </a:lnRef>
+          <a:fillRef idx="0">
+            <a:schemeClr val="accent1"/>
+          </a:fillRef>
+          <a:effectRef idx="0">
+            <a:schemeClr val="accent1"/>
+          </a:effectRef>
+          <a:fontRef idx="minor">
+            <a:schemeClr val="tx1"/>
+          </a:fontRef>
+        </p:style>
+      </p:cxnSp>
+      <p:cxnSp>
+        <p:nvCxnSpPr>
+          <p:cNvPr id="15" name="直線コネクタ 14">
+            <a:extLst>
+              <a:ext uri="{FF2B5EF4-FFF2-40B4-BE49-F238E27FC236}">
+                <a16:creationId xmlns:a16="http://schemas.microsoft.com/office/drawing/2014/main" id="{6A30DD05-D4AA-B045-9D21-8A6DE385DFD6}"/>
+              </a:ext>
+            </a:extLst>
+          </p:cNvPr>
+          <p:cNvCxnSpPr>
+            <a:cxnSpLocks/>
+          </p:cNvCxnSpPr>
+          <p:nvPr/>
+        </p:nvCxnSpPr>
+        <p:spPr>
+          <a:xfrm flipH="1" flipV="1">
+            <a:off x="4142494" y="2273304"/>
+            <a:ext cx="0" cy="1440000"/>
+          </a:xfrm>
+          <a:prstGeom prst="line">
+            <a:avLst/>
+          </a:prstGeom>
+          <a:ln w="38100">
+            <a:solidFill>
+              <a:schemeClr val="tx1"/>
+            </a:solidFill>
+          </a:ln>
+        </p:spPr>
+        <p:style>
+          <a:lnRef idx="1">
+            <a:schemeClr val="accent1"/>
+          </a:lnRef>
+          <a:fillRef idx="0">
+            <a:schemeClr val="accent1"/>
+          </a:fillRef>
+          <a:effectRef idx="0">
+            <a:schemeClr val="accent1"/>
+          </a:effectRef>
+          <a:fontRef idx="minor">
+            <a:schemeClr val="tx1"/>
+          </a:fontRef>
+        </p:style>
+      </p:cxnSp>
+      <p:cxnSp>
+        <p:nvCxnSpPr>
+          <p:cNvPr id="19" name="直線コネクタ 18">
+            <a:extLst>
+              <a:ext uri="{FF2B5EF4-FFF2-40B4-BE49-F238E27FC236}">
+                <a16:creationId xmlns:a16="http://schemas.microsoft.com/office/drawing/2014/main" id="{1798BD26-2E55-2440-A411-ECAFE159CA64}"/>
+              </a:ext>
+            </a:extLst>
+          </p:cNvPr>
+          <p:cNvCxnSpPr>
+            <a:cxnSpLocks/>
+          </p:cNvCxnSpPr>
+          <p:nvPr/>
+        </p:nvCxnSpPr>
+        <p:spPr>
+          <a:xfrm>
+            <a:off x="1936991" y="1679857"/>
+            <a:ext cx="900000" cy="0"/>
+          </a:xfrm>
+          <a:prstGeom prst="line">
+            <a:avLst/>
+          </a:prstGeom>
+          <a:ln w="38100">
+            <a:solidFill>
+              <a:schemeClr val="tx1"/>
+            </a:solidFill>
+          </a:ln>
+        </p:spPr>
+        <p:style>
+          <a:lnRef idx="1">
+            <a:schemeClr val="accent1"/>
+          </a:lnRef>
+          <a:fillRef idx="0">
+            <a:schemeClr val="accent1"/>
+          </a:fillRef>
+          <a:effectRef idx="0">
+            <a:schemeClr val="accent1"/>
+          </a:effectRef>
+          <a:fontRef idx="minor">
+            <a:schemeClr val="tx1"/>
+          </a:fontRef>
+        </p:style>
+      </p:cxnSp>
+      <p:cxnSp>
+        <p:nvCxnSpPr>
+          <p:cNvPr id="22" name="直線コネクタ 21">
+            <a:extLst>
+              <a:ext uri="{FF2B5EF4-FFF2-40B4-BE49-F238E27FC236}">
+                <a16:creationId xmlns:a16="http://schemas.microsoft.com/office/drawing/2014/main" id="{A6672DFA-4E44-FC48-BBDA-16A9256EE475}"/>
+              </a:ext>
+            </a:extLst>
+          </p:cNvPr>
+          <p:cNvCxnSpPr>
+            <a:cxnSpLocks/>
+          </p:cNvCxnSpPr>
+          <p:nvPr/>
+        </p:nvCxnSpPr>
+        <p:spPr>
+          <a:xfrm>
+            <a:off x="2213266" y="4133234"/>
+            <a:ext cx="3456000" cy="0"/>
+          </a:xfrm>
+          <a:prstGeom prst="line">
+            <a:avLst/>
+          </a:prstGeom>
+          <a:ln w="38100">
+            <a:solidFill>
+              <a:schemeClr val="tx1"/>
+            </a:solidFill>
+          </a:ln>
+        </p:spPr>
+        <p:style>
+          <a:lnRef idx="1">
+            <a:schemeClr val="accent1"/>
+          </a:lnRef>
+          <a:fillRef idx="0">
+            <a:schemeClr val="accent1"/>
+          </a:fillRef>
+          <a:effectRef idx="0">
+            <a:schemeClr val="accent1"/>
+          </a:effectRef>
+          <a:fontRef idx="minor">
+            <a:schemeClr val="tx1"/>
+          </a:fontRef>
+        </p:style>
+      </p:cxnSp>
+      <p:sp>
+        <p:nvSpPr>
+          <p:cNvPr id="24" name="正方形/長方形 23">
+            <a:extLst>
+              <a:ext uri="{FF2B5EF4-FFF2-40B4-BE49-F238E27FC236}">
+                <a16:creationId xmlns:a16="http://schemas.microsoft.com/office/drawing/2014/main" id="{CFDE75D8-F9D3-B444-A066-4C1B1010DF01}"/>
+              </a:ext>
+            </a:extLst>
+          </p:cNvPr>
+          <p:cNvSpPr/>
+          <p:nvPr/>
+        </p:nvSpPr>
+        <p:spPr>
+          <a:xfrm>
+            <a:off x="4731552" y="1928715"/>
+            <a:ext cx="1816608" cy="597405"/>
+          </a:xfrm>
+          <a:prstGeom prst="rect">
+            <a:avLst/>
+          </a:prstGeom>
+          <a:solidFill>
+            <a:schemeClr val="bg1"/>
+          </a:solidFill>
+          <a:ln w="38100">
+            <a:solidFill>
+              <a:schemeClr val="tx1"/>
+            </a:solidFill>
+          </a:ln>
+        </p:spPr>
+        <p:style>
+          <a:lnRef idx="2">
+            <a:schemeClr val="accent1">
+              <a:shade val="50000"/>
+            </a:schemeClr>
+          </a:lnRef>
+          <a:fillRef idx="1">
+            <a:schemeClr val="accent1"/>
+          </a:fillRef>
+          <a:effectRef idx="0">
+            <a:schemeClr val="accent1"/>
+          </a:effectRef>
+          <a:fontRef idx="minor">
+            <a:schemeClr val="lt1"/>
+          </a:fontRef>
+        </p:style>
+        <p:txBody>
+          <a:bodyPr rtlCol="0" anchor="ctr"/>
+          <a:lstStyle/>
+          <a:p>
+            <a:pPr algn="ctr"/>
+            <a:r>
+              <a:rPr kumimoji="1" lang="en-US" altLang="ja-JP" sz="2400" dirty="0">
+                <a:solidFill>
+                  <a:schemeClr val="tx1"/>
+                </a:solidFill>
+              </a:rPr>
+              <a:t>Strain Amp.</a:t>
+            </a:r>
+            <a:endParaRPr kumimoji="1" lang="ja-JP" altLang="en-US" sz="2400" dirty="0">
+              <a:solidFill>
+                <a:schemeClr val="tx1"/>
+              </a:solidFill>
+            </a:endParaRPr>
+          </a:p>
+        </p:txBody>
+      </p:sp>
+      <p:sp>
+        <p:nvSpPr>
+          <p:cNvPr id="25" name="円/楕円 24">
+            <a:extLst>
+              <a:ext uri="{FF2B5EF4-FFF2-40B4-BE49-F238E27FC236}">
+                <a16:creationId xmlns:a16="http://schemas.microsoft.com/office/drawing/2014/main" id="{FDA77EA6-3F78-0048-86D6-D6F47B8FEB64}"/>
+              </a:ext>
+            </a:extLst>
+          </p:cNvPr>
+          <p:cNvSpPr/>
+          <p:nvPr/>
+        </p:nvSpPr>
+        <p:spPr>
+          <a:xfrm>
+            <a:off x="5316768" y="3260592"/>
+            <a:ext cx="670560" cy="670560"/>
+          </a:xfrm>
+          <a:prstGeom prst="ellipse">
+            <a:avLst/>
+          </a:prstGeom>
+          <a:solidFill>
+            <a:schemeClr val="bg1"/>
+          </a:solidFill>
+          <a:ln w="38100">
+            <a:solidFill>
+              <a:schemeClr val="tx1"/>
+            </a:solidFill>
+          </a:ln>
+        </p:spPr>
+        <p:style>
+          <a:lnRef idx="2">
+            <a:schemeClr val="accent1">
+              <a:shade val="50000"/>
+            </a:schemeClr>
+          </a:lnRef>
+          <a:fillRef idx="1">
+            <a:schemeClr val="accent1"/>
+          </a:fillRef>
+          <a:effectRef idx="0">
+            <a:schemeClr val="accent1"/>
+          </a:effectRef>
+          <a:fontRef idx="minor">
+            <a:schemeClr val="lt1"/>
+          </a:fontRef>
+        </p:style>
+        <p:txBody>
+          <a:bodyPr rtlCol="0" anchor="t"/>
+          <a:lstStyle/>
+          <a:p>
+            <a:pPr algn="ctr"/>
+            <a:r>
+              <a:rPr kumimoji="1" lang="en-US" altLang="ja-JP" sz="3200" b="1" dirty="0">
+                <a:solidFill>
+                  <a:schemeClr val="tx1"/>
+                </a:solidFill>
+              </a:rPr>
+              <a:t>V</a:t>
+            </a:r>
+            <a:endParaRPr kumimoji="1" lang="ja-JP" altLang="en-US" sz="3200" b="1">
+              <a:solidFill>
+                <a:schemeClr val="tx1"/>
+              </a:solidFill>
+            </a:endParaRPr>
+          </a:p>
+        </p:txBody>
+      </p:sp>
+      <p:cxnSp>
+        <p:nvCxnSpPr>
+          <p:cNvPr id="26" name="直線コネクタ 25">
+            <a:extLst>
+              <a:ext uri="{FF2B5EF4-FFF2-40B4-BE49-F238E27FC236}">
+                <a16:creationId xmlns:a16="http://schemas.microsoft.com/office/drawing/2014/main" id="{E24BF3FB-CF63-D749-87EE-02C5409BFE25}"/>
+              </a:ext>
+            </a:extLst>
+          </p:cNvPr>
+          <p:cNvCxnSpPr>
+            <a:cxnSpLocks/>
+          </p:cNvCxnSpPr>
+          <p:nvPr/>
+        </p:nvCxnSpPr>
+        <p:spPr>
+          <a:xfrm>
+            <a:off x="6548160" y="2225761"/>
+            <a:ext cx="536448" cy="0"/>
+          </a:xfrm>
+          <a:prstGeom prst="line">
+            <a:avLst/>
+          </a:prstGeom>
+          <a:ln w="38100">
+            <a:solidFill>
+              <a:schemeClr val="tx1"/>
+            </a:solidFill>
+          </a:ln>
+        </p:spPr>
+        <p:style>
+          <a:lnRef idx="1">
+            <a:schemeClr val="accent1"/>
+          </a:lnRef>
+          <a:fillRef idx="0">
+            <a:schemeClr val="accent1"/>
+          </a:fillRef>
+          <a:effectRef idx="0">
+            <a:schemeClr val="accent1"/>
+          </a:effectRef>
+          <a:fontRef idx="minor">
+            <a:schemeClr val="tx1"/>
+          </a:fontRef>
+        </p:style>
+      </p:cxnSp>
+      <p:sp>
+        <p:nvSpPr>
+          <p:cNvPr id="27" name="正方形/長方形 26">
+            <a:extLst>
+              <a:ext uri="{FF2B5EF4-FFF2-40B4-BE49-F238E27FC236}">
+                <a16:creationId xmlns:a16="http://schemas.microsoft.com/office/drawing/2014/main" id="{2914671F-E0AC-7F41-8FCD-EA4BAC7EA4F1}"/>
+              </a:ext>
+            </a:extLst>
+          </p:cNvPr>
+          <p:cNvSpPr/>
+          <p:nvPr/>
+        </p:nvSpPr>
+        <p:spPr>
+          <a:xfrm>
+            <a:off x="7022072" y="1927058"/>
+            <a:ext cx="839664" cy="597405"/>
+          </a:xfrm>
+          <a:prstGeom prst="rect">
+            <a:avLst/>
+          </a:prstGeom>
+          <a:solidFill>
+            <a:schemeClr val="bg1"/>
+          </a:solidFill>
+          <a:ln w="38100">
+            <a:solidFill>
+              <a:schemeClr val="tx1"/>
+            </a:solidFill>
+          </a:ln>
+        </p:spPr>
+        <p:style>
+          <a:lnRef idx="2">
+            <a:schemeClr val="accent1">
+              <a:shade val="50000"/>
+            </a:schemeClr>
+          </a:lnRef>
+          <a:fillRef idx="1">
+            <a:schemeClr val="accent1"/>
+          </a:fillRef>
+          <a:effectRef idx="0">
+            <a:schemeClr val="accent1"/>
+          </a:effectRef>
+          <a:fontRef idx="minor">
+            <a:schemeClr val="lt1"/>
+          </a:fontRef>
+        </p:style>
+        <p:txBody>
+          <a:bodyPr rtlCol="0" anchor="ctr"/>
+          <a:lstStyle/>
+          <a:p>
+            <a:pPr algn="ctr"/>
+            <a:r>
+              <a:rPr kumimoji="1" lang="en-US" altLang="ja-JP" sz="2400" dirty="0">
+                <a:solidFill>
+                  <a:schemeClr val="tx1"/>
+                </a:solidFill>
+              </a:rPr>
+              <a:t>A/D</a:t>
+            </a:r>
+            <a:endParaRPr kumimoji="1" lang="ja-JP" altLang="en-US" sz="2400">
+              <a:solidFill>
+                <a:schemeClr val="tx1"/>
+              </a:solidFill>
+            </a:endParaRPr>
+          </a:p>
+        </p:txBody>
+      </p:sp>
+      <p:cxnSp>
+        <p:nvCxnSpPr>
+          <p:cNvPr id="28" name="直線コネクタ 27">
+            <a:extLst>
+              <a:ext uri="{FF2B5EF4-FFF2-40B4-BE49-F238E27FC236}">
+                <a16:creationId xmlns:a16="http://schemas.microsoft.com/office/drawing/2014/main" id="{59B5B039-2D4D-114A-A87C-82E6D383C119}"/>
+              </a:ext>
+            </a:extLst>
+          </p:cNvPr>
+          <p:cNvCxnSpPr>
+            <a:cxnSpLocks/>
+            <a:endCxn id="29" idx="1"/>
+          </p:cNvCxnSpPr>
+          <p:nvPr/>
+        </p:nvCxnSpPr>
+        <p:spPr>
+          <a:xfrm>
+            <a:off x="7845970" y="2225761"/>
+            <a:ext cx="865632" cy="0"/>
+          </a:xfrm>
+          <a:prstGeom prst="line">
+            <a:avLst/>
+          </a:prstGeom>
+          <a:ln w="38100">
+            <a:solidFill>
+              <a:schemeClr val="tx1"/>
+            </a:solidFill>
+          </a:ln>
+        </p:spPr>
+        <p:style>
+          <a:lnRef idx="1">
+            <a:schemeClr val="accent1"/>
+          </a:lnRef>
+          <a:fillRef idx="0">
+            <a:schemeClr val="accent1"/>
+          </a:fillRef>
+          <a:effectRef idx="0">
+            <a:schemeClr val="accent1"/>
+          </a:effectRef>
+          <a:fontRef idx="minor">
+            <a:schemeClr val="tx1"/>
+          </a:fontRef>
+        </p:style>
+      </p:cxnSp>
+      <p:sp>
+        <p:nvSpPr>
+          <p:cNvPr id="29" name="正方形/長方形 28">
+            <a:extLst>
+              <a:ext uri="{FF2B5EF4-FFF2-40B4-BE49-F238E27FC236}">
+                <a16:creationId xmlns:a16="http://schemas.microsoft.com/office/drawing/2014/main" id="{DBCA3441-E87B-9B41-8E1D-294872AE82C8}"/>
+              </a:ext>
+            </a:extLst>
+          </p:cNvPr>
+          <p:cNvSpPr/>
+          <p:nvPr/>
+        </p:nvSpPr>
+        <p:spPr>
+          <a:xfrm>
+            <a:off x="8711602" y="1927058"/>
+            <a:ext cx="1426464" cy="597405"/>
+          </a:xfrm>
+          <a:prstGeom prst="rect">
+            <a:avLst/>
+          </a:prstGeom>
+          <a:solidFill>
+            <a:schemeClr val="bg1"/>
+          </a:solidFill>
+          <a:ln w="38100">
+            <a:solidFill>
+              <a:schemeClr val="tx1"/>
+            </a:solidFill>
+          </a:ln>
+        </p:spPr>
+        <p:style>
+          <a:lnRef idx="2">
+            <a:schemeClr val="accent1">
+              <a:shade val="50000"/>
+            </a:schemeClr>
+          </a:lnRef>
+          <a:fillRef idx="1">
+            <a:schemeClr val="accent1"/>
+          </a:fillRef>
+          <a:effectRef idx="0">
+            <a:schemeClr val="accent1"/>
+          </a:effectRef>
+          <a:fontRef idx="minor">
+            <a:schemeClr val="lt1"/>
+          </a:fontRef>
+        </p:style>
+        <p:txBody>
+          <a:bodyPr rtlCol="0" anchor="ctr"/>
+          <a:lstStyle/>
+          <a:p>
+            <a:pPr algn="ctr"/>
+            <a:r>
+              <a:rPr kumimoji="1" lang="en-US" altLang="ja-JP" sz="2400" dirty="0">
+                <a:solidFill>
+                  <a:schemeClr val="tx1"/>
+                </a:solidFill>
+              </a:rPr>
+              <a:t>Memory</a:t>
+            </a:r>
+            <a:endParaRPr kumimoji="1" lang="ja-JP" altLang="en-US" sz="2400">
+              <a:solidFill>
+                <a:schemeClr val="tx1"/>
+              </a:solidFill>
+            </a:endParaRPr>
+          </a:p>
+        </p:txBody>
+      </p:sp>
+      <p:sp>
+        <p:nvSpPr>
+          <p:cNvPr id="30" name="テキスト ボックス 29">
+            <a:extLst>
+              <a:ext uri="{FF2B5EF4-FFF2-40B4-BE49-F238E27FC236}">
+                <a16:creationId xmlns:a16="http://schemas.microsoft.com/office/drawing/2014/main" id="{46E27966-C4DE-094C-AD45-0446EF349AAF}"/>
+              </a:ext>
+            </a:extLst>
+          </p:cNvPr>
+          <p:cNvSpPr txBox="1"/>
+          <p:nvPr/>
+        </p:nvSpPr>
+        <p:spPr>
+          <a:xfrm>
+            <a:off x="9046882" y="1479095"/>
+            <a:ext cx="755904" cy="461665"/>
+          </a:xfrm>
+          <a:prstGeom prst="rect">
+            <a:avLst/>
+          </a:prstGeom>
+          <a:noFill/>
+        </p:spPr>
+        <p:txBody>
+          <a:bodyPr wrap="square" rtlCol="0">
+            <a:spAutoFit/>
+          </a:bodyPr>
+          <a:lstStyle/>
+          <a:p>
+            <a:pPr algn="ctr"/>
+            <a:r>
+              <a:rPr kumimoji="1" lang="en-US" altLang="ja-JP" sz="2400" dirty="0"/>
+              <a:t>PC</a:t>
+            </a:r>
+            <a:endParaRPr kumimoji="1" lang="ja-JP" altLang="en-US" sz="2400"/>
+          </a:p>
+        </p:txBody>
+      </p:sp>
+      <p:sp>
+        <p:nvSpPr>
+          <p:cNvPr id="31" name="テキスト ボックス 30">
+            <a:extLst>
+              <a:ext uri="{FF2B5EF4-FFF2-40B4-BE49-F238E27FC236}">
+                <a16:creationId xmlns:a16="http://schemas.microsoft.com/office/drawing/2014/main" id="{FA1D6F84-95EA-994C-8790-B19DF6D34DD7}"/>
+              </a:ext>
+            </a:extLst>
+          </p:cNvPr>
+          <p:cNvSpPr txBox="1"/>
+          <p:nvPr/>
+        </p:nvSpPr>
+        <p:spPr>
+          <a:xfrm>
+            <a:off x="7719954" y="1832664"/>
+            <a:ext cx="1209528" cy="461665"/>
+          </a:xfrm>
+          <a:prstGeom prst="rect">
+            <a:avLst/>
+          </a:prstGeom>
+          <a:noFill/>
+        </p:spPr>
+        <p:txBody>
+          <a:bodyPr wrap="square" rtlCol="0">
+            <a:spAutoFit/>
+          </a:bodyPr>
+          <a:lstStyle/>
+          <a:p>
+            <a:pPr algn="ctr"/>
+            <a:r>
+              <a:rPr kumimoji="1" lang="en-US" altLang="ja-JP" sz="2400" dirty="0"/>
+              <a:t>USB</a:t>
+            </a:r>
+            <a:endParaRPr kumimoji="1" lang="ja-JP" altLang="en-US" sz="2400"/>
+          </a:p>
+        </p:txBody>
+      </p:sp>
+      <p:cxnSp>
+        <p:nvCxnSpPr>
+          <p:cNvPr id="33" name="直線コネクタ 32">
+            <a:extLst>
+              <a:ext uri="{FF2B5EF4-FFF2-40B4-BE49-F238E27FC236}">
+                <a16:creationId xmlns:a16="http://schemas.microsoft.com/office/drawing/2014/main" id="{282F113E-D4C9-634B-8197-AE5C3422E6D7}"/>
+              </a:ext>
+            </a:extLst>
+          </p:cNvPr>
+          <p:cNvCxnSpPr>
+            <a:cxnSpLocks/>
+          </p:cNvCxnSpPr>
+          <p:nvPr/>
+        </p:nvCxnSpPr>
+        <p:spPr>
+          <a:xfrm flipV="1">
+            <a:off x="5639856" y="1305648"/>
+            <a:ext cx="0" cy="612000"/>
+          </a:xfrm>
+          <a:prstGeom prst="line">
+            <a:avLst/>
+          </a:prstGeom>
+          <a:ln w="38100">
+            <a:solidFill>
+              <a:schemeClr val="tx1"/>
+            </a:solidFill>
+          </a:ln>
+        </p:spPr>
+        <p:style>
+          <a:lnRef idx="1">
+            <a:schemeClr val="accent1"/>
+          </a:lnRef>
+          <a:fillRef idx="0">
+            <a:schemeClr val="accent1"/>
+          </a:fillRef>
+          <a:effectRef idx="0">
+            <a:schemeClr val="accent1"/>
+          </a:effectRef>
+          <a:fontRef idx="minor">
+            <a:schemeClr val="tx1"/>
+          </a:fontRef>
+        </p:style>
+      </p:cxnSp>
+      <p:cxnSp>
+        <p:nvCxnSpPr>
+          <p:cNvPr id="34" name="直線コネクタ 33">
+            <a:extLst>
+              <a:ext uri="{FF2B5EF4-FFF2-40B4-BE49-F238E27FC236}">
+                <a16:creationId xmlns:a16="http://schemas.microsoft.com/office/drawing/2014/main" id="{48447809-8910-504C-BC6C-9C25753E4285}"/>
+              </a:ext>
+            </a:extLst>
+          </p:cNvPr>
+          <p:cNvCxnSpPr>
+            <a:cxnSpLocks/>
+          </p:cNvCxnSpPr>
+          <p:nvPr/>
+        </p:nvCxnSpPr>
+        <p:spPr>
+          <a:xfrm>
+            <a:off x="3204288" y="1317840"/>
+            <a:ext cx="2448000" cy="0"/>
+          </a:xfrm>
+          <a:prstGeom prst="line">
+            <a:avLst/>
+          </a:prstGeom>
+          <a:ln w="38100">
+            <a:solidFill>
+              <a:schemeClr val="tx1"/>
+            </a:solidFill>
+          </a:ln>
+        </p:spPr>
+        <p:style>
+          <a:lnRef idx="1">
+            <a:schemeClr val="accent1"/>
+          </a:lnRef>
+          <a:fillRef idx="0">
+            <a:schemeClr val="accent1"/>
+          </a:fillRef>
+          <a:effectRef idx="0">
+            <a:schemeClr val="accent1"/>
+          </a:effectRef>
+          <a:fontRef idx="minor">
+            <a:schemeClr val="tx1"/>
+          </a:fontRef>
+        </p:style>
+      </p:cxnSp>
+      <p:cxnSp>
+        <p:nvCxnSpPr>
+          <p:cNvPr id="37" name="直線コネクタ 36">
+            <a:extLst>
+              <a:ext uri="{FF2B5EF4-FFF2-40B4-BE49-F238E27FC236}">
+                <a16:creationId xmlns:a16="http://schemas.microsoft.com/office/drawing/2014/main" id="{080BE0EB-077A-374F-AF78-F9D9728B4DF2}"/>
+              </a:ext>
+            </a:extLst>
+          </p:cNvPr>
+          <p:cNvCxnSpPr>
+            <a:cxnSpLocks/>
+          </p:cNvCxnSpPr>
+          <p:nvPr/>
+        </p:nvCxnSpPr>
+        <p:spPr>
+          <a:xfrm flipV="1">
+            <a:off x="5652048" y="3931152"/>
+            <a:ext cx="0" cy="217848"/>
+          </a:xfrm>
+          <a:prstGeom prst="line">
+            <a:avLst/>
+          </a:prstGeom>
+          <a:ln w="38100">
+            <a:solidFill>
+              <a:schemeClr val="tx1"/>
+            </a:solidFill>
+          </a:ln>
+        </p:spPr>
+        <p:style>
+          <a:lnRef idx="1">
+            <a:schemeClr val="accent1"/>
+          </a:lnRef>
+          <a:fillRef idx="0">
+            <a:schemeClr val="accent1"/>
+          </a:fillRef>
+          <a:effectRef idx="0">
+            <a:schemeClr val="accent1"/>
+          </a:effectRef>
+          <a:fontRef idx="minor">
+            <a:schemeClr val="tx1"/>
+          </a:fontRef>
+        </p:style>
+      </p:cxnSp>
+      <p:cxnSp>
+        <p:nvCxnSpPr>
+          <p:cNvPr id="40" name="直線コネクタ 39">
+            <a:extLst>
+              <a:ext uri="{FF2B5EF4-FFF2-40B4-BE49-F238E27FC236}">
+                <a16:creationId xmlns:a16="http://schemas.microsoft.com/office/drawing/2014/main" id="{86E9C5E1-ECDA-9642-8EB0-8D2D7856A5ED}"/>
+              </a:ext>
+            </a:extLst>
+          </p:cNvPr>
+          <p:cNvCxnSpPr>
+            <a:cxnSpLocks/>
+          </p:cNvCxnSpPr>
+          <p:nvPr/>
+        </p:nvCxnSpPr>
+        <p:spPr>
+          <a:xfrm flipV="1">
+            <a:off x="5640912" y="3027456"/>
+            <a:ext cx="0" cy="217848"/>
+          </a:xfrm>
+          <a:prstGeom prst="line">
+            <a:avLst/>
+          </a:prstGeom>
+          <a:ln w="38100">
+            <a:solidFill>
+              <a:schemeClr val="tx1"/>
+            </a:solidFill>
+          </a:ln>
+        </p:spPr>
+        <p:style>
+          <a:lnRef idx="1">
+            <a:schemeClr val="accent1"/>
+          </a:lnRef>
+          <a:fillRef idx="0">
+            <a:schemeClr val="accent1"/>
+          </a:fillRef>
+          <a:effectRef idx="0">
+            <a:schemeClr val="accent1"/>
+          </a:effectRef>
+          <a:fontRef idx="minor">
+            <a:schemeClr val="tx1"/>
+          </a:fontRef>
+        </p:style>
+      </p:cxnSp>
+      <p:cxnSp>
+        <p:nvCxnSpPr>
+          <p:cNvPr id="41" name="直線コネクタ 40">
+            <a:extLst>
+              <a:ext uri="{FF2B5EF4-FFF2-40B4-BE49-F238E27FC236}">
+                <a16:creationId xmlns:a16="http://schemas.microsoft.com/office/drawing/2014/main" id="{654EE6DE-40EF-334B-98A3-325900A2C2D8}"/>
+              </a:ext>
+            </a:extLst>
+          </p:cNvPr>
+          <p:cNvCxnSpPr>
+            <a:cxnSpLocks/>
+          </p:cNvCxnSpPr>
+          <p:nvPr/>
+        </p:nvCxnSpPr>
+        <p:spPr>
+          <a:xfrm>
+            <a:off x="4986528" y="3027456"/>
+            <a:ext cx="677712" cy="0"/>
+          </a:xfrm>
+          <a:prstGeom prst="line">
+            <a:avLst/>
+          </a:prstGeom>
+          <a:ln w="38100">
+            <a:solidFill>
+              <a:schemeClr val="tx1"/>
+            </a:solidFill>
+          </a:ln>
+        </p:spPr>
+        <p:style>
+          <a:lnRef idx="1">
+            <a:schemeClr val="accent1"/>
+          </a:lnRef>
+          <a:fillRef idx="0">
+            <a:schemeClr val="accent1"/>
+          </a:fillRef>
+          <a:effectRef idx="0">
+            <a:schemeClr val="accent1"/>
+          </a:effectRef>
+          <a:fontRef idx="minor">
+            <a:schemeClr val="tx1"/>
+          </a:fontRef>
+        </p:style>
+      </p:cxnSp>
+      <p:cxnSp>
+        <p:nvCxnSpPr>
+          <p:cNvPr id="44" name="直線コネクタ 43">
+            <a:extLst>
+              <a:ext uri="{FF2B5EF4-FFF2-40B4-BE49-F238E27FC236}">
+                <a16:creationId xmlns:a16="http://schemas.microsoft.com/office/drawing/2014/main" id="{55E5B7C3-DD46-354C-878D-C9BFF018C8A1}"/>
+              </a:ext>
+            </a:extLst>
+          </p:cNvPr>
+          <p:cNvCxnSpPr>
+            <a:cxnSpLocks/>
+          </p:cNvCxnSpPr>
+          <p:nvPr/>
+        </p:nvCxnSpPr>
+        <p:spPr>
+          <a:xfrm flipV="1">
+            <a:off x="4974336" y="3005496"/>
+            <a:ext cx="0" cy="720000"/>
+          </a:xfrm>
+          <a:prstGeom prst="line">
+            <a:avLst/>
+          </a:prstGeom>
+          <a:ln w="38100">
+            <a:solidFill>
+              <a:schemeClr val="tx1"/>
+            </a:solidFill>
+          </a:ln>
+        </p:spPr>
+        <p:style>
+          <a:lnRef idx="1">
+            <a:schemeClr val="accent1"/>
+          </a:lnRef>
+          <a:fillRef idx="0">
+            <a:schemeClr val="accent1"/>
+          </a:fillRef>
+          <a:effectRef idx="0">
+            <a:schemeClr val="accent1"/>
+          </a:effectRef>
+          <a:fontRef idx="minor">
+            <a:schemeClr val="tx1"/>
+          </a:fontRef>
+        </p:style>
+      </p:cxnSp>
+      <p:cxnSp>
+        <p:nvCxnSpPr>
+          <p:cNvPr id="45" name="直線コネクタ 44">
+            <a:extLst>
+              <a:ext uri="{FF2B5EF4-FFF2-40B4-BE49-F238E27FC236}">
+                <a16:creationId xmlns:a16="http://schemas.microsoft.com/office/drawing/2014/main" id="{77DD425A-58C2-0B40-925F-1978CA6D03DF}"/>
+              </a:ext>
+            </a:extLst>
+          </p:cNvPr>
+          <p:cNvCxnSpPr>
+            <a:cxnSpLocks/>
+          </p:cNvCxnSpPr>
+          <p:nvPr/>
+        </p:nvCxnSpPr>
+        <p:spPr>
+          <a:xfrm>
+            <a:off x="4125358" y="3719304"/>
+            <a:ext cx="864000" cy="0"/>
+          </a:xfrm>
+          <a:prstGeom prst="line">
+            <a:avLst/>
+          </a:prstGeom>
+          <a:ln w="38100">
+            <a:solidFill>
+              <a:schemeClr val="tx1"/>
+            </a:solidFill>
+          </a:ln>
+        </p:spPr>
+        <p:style>
+          <a:lnRef idx="1">
+            <a:schemeClr val="accent1"/>
+          </a:lnRef>
+          <a:fillRef idx="0">
+            <a:schemeClr val="accent1"/>
+          </a:fillRef>
+          <a:effectRef idx="0">
+            <a:schemeClr val="accent1"/>
+          </a:effectRef>
+          <a:fontRef idx="minor">
+            <a:schemeClr val="tx1"/>
+          </a:fontRef>
+        </p:style>
+      </p:cxnSp>
+      <p:cxnSp>
+        <p:nvCxnSpPr>
+          <p:cNvPr id="48" name="直線コネクタ 47">
+            <a:extLst>
+              <a:ext uri="{FF2B5EF4-FFF2-40B4-BE49-F238E27FC236}">
+                <a16:creationId xmlns:a16="http://schemas.microsoft.com/office/drawing/2014/main" id="{5433C3E7-4267-DD43-8E36-51A5F93F93D4}"/>
+              </a:ext>
+            </a:extLst>
+          </p:cNvPr>
+          <p:cNvCxnSpPr>
+            <a:cxnSpLocks/>
+          </p:cNvCxnSpPr>
+          <p:nvPr/>
+        </p:nvCxnSpPr>
+        <p:spPr>
+          <a:xfrm flipV="1">
+            <a:off x="3167712" y="3223344"/>
+            <a:ext cx="0" cy="720000"/>
+          </a:xfrm>
+          <a:prstGeom prst="line">
+            <a:avLst/>
+          </a:prstGeom>
+          <a:ln w="38100">
+            <a:solidFill>
+              <a:schemeClr val="tx1"/>
+            </a:solidFill>
+          </a:ln>
+        </p:spPr>
+        <p:style>
+          <a:lnRef idx="1">
+            <a:schemeClr val="accent1"/>
+          </a:lnRef>
+          <a:fillRef idx="0">
+            <a:schemeClr val="accent1"/>
+          </a:fillRef>
+          <a:effectRef idx="0">
+            <a:schemeClr val="accent1"/>
+          </a:effectRef>
+          <a:fontRef idx="minor">
+            <a:schemeClr val="tx1"/>
+          </a:fontRef>
+        </p:style>
+      </p:cxnSp>
+      <p:cxnSp>
+        <p:nvCxnSpPr>
+          <p:cNvPr id="51" name="直線コネクタ 50">
+            <a:extLst>
+              <a:ext uri="{FF2B5EF4-FFF2-40B4-BE49-F238E27FC236}">
+                <a16:creationId xmlns:a16="http://schemas.microsoft.com/office/drawing/2014/main" id="{9B1CC2BE-A6FF-6644-92BD-63526246A954}"/>
+              </a:ext>
+            </a:extLst>
+          </p:cNvPr>
+          <p:cNvCxnSpPr>
+            <a:cxnSpLocks/>
+          </p:cNvCxnSpPr>
+          <p:nvPr/>
+        </p:nvCxnSpPr>
+        <p:spPr>
+          <a:xfrm flipV="1">
+            <a:off x="5639856" y="2513688"/>
+            <a:ext cx="1056" cy="306000"/>
+          </a:xfrm>
+          <a:prstGeom prst="line">
+            <a:avLst/>
+          </a:prstGeom>
+          <a:ln w="38100">
+            <a:solidFill>
+              <a:schemeClr val="tx1"/>
+            </a:solidFill>
+          </a:ln>
+        </p:spPr>
+        <p:style>
+          <a:lnRef idx="1">
+            <a:schemeClr val="accent1"/>
+          </a:lnRef>
+          <a:fillRef idx="0">
+            <a:schemeClr val="accent1"/>
+          </a:fillRef>
+          <a:effectRef idx="0">
+            <a:schemeClr val="accent1"/>
+          </a:effectRef>
+          <a:fontRef idx="minor">
+            <a:schemeClr val="tx1"/>
+          </a:fontRef>
+        </p:style>
+      </p:cxnSp>
+      <p:cxnSp>
+        <p:nvCxnSpPr>
+          <p:cNvPr id="53" name="直線コネクタ 52">
+            <a:extLst>
+              <a:ext uri="{FF2B5EF4-FFF2-40B4-BE49-F238E27FC236}">
+                <a16:creationId xmlns:a16="http://schemas.microsoft.com/office/drawing/2014/main" id="{055E8191-6A23-7F46-B08A-026EFFBE845F}"/>
+              </a:ext>
+            </a:extLst>
+          </p:cNvPr>
+          <p:cNvCxnSpPr>
+            <a:cxnSpLocks/>
+          </p:cNvCxnSpPr>
+          <p:nvPr/>
+        </p:nvCxnSpPr>
+        <p:spPr>
+          <a:xfrm>
+            <a:off x="3966775" y="2832963"/>
+            <a:ext cx="1692000" cy="0"/>
+          </a:xfrm>
+          <a:prstGeom prst="line">
+            <a:avLst/>
+          </a:prstGeom>
+          <a:ln w="38100">
+            <a:solidFill>
+              <a:schemeClr val="tx1"/>
+            </a:solidFill>
+          </a:ln>
+        </p:spPr>
+        <p:style>
+          <a:lnRef idx="1">
+            <a:schemeClr val="accent1"/>
+          </a:lnRef>
+          <a:fillRef idx="0">
+            <a:schemeClr val="accent1"/>
+          </a:fillRef>
+          <a:effectRef idx="0">
+            <a:schemeClr val="accent1"/>
+          </a:effectRef>
+          <a:fontRef idx="minor">
+            <a:schemeClr val="tx1"/>
+          </a:fontRef>
+        </p:style>
+      </p:cxnSp>
+      <p:cxnSp>
+        <p:nvCxnSpPr>
+          <p:cNvPr id="55" name="直線コネクタ 54">
+            <a:extLst>
+              <a:ext uri="{FF2B5EF4-FFF2-40B4-BE49-F238E27FC236}">
+                <a16:creationId xmlns:a16="http://schemas.microsoft.com/office/drawing/2014/main" id="{F483CFED-72B7-3547-8D6B-F9DAFD3C96DD}"/>
+              </a:ext>
+            </a:extLst>
+          </p:cNvPr>
+          <p:cNvCxnSpPr>
+            <a:cxnSpLocks/>
+          </p:cNvCxnSpPr>
+          <p:nvPr/>
+        </p:nvCxnSpPr>
+        <p:spPr>
+          <a:xfrm flipV="1">
+            <a:off x="3981216" y="2819688"/>
+            <a:ext cx="0" cy="1123656"/>
+          </a:xfrm>
+          <a:prstGeom prst="line">
+            <a:avLst/>
+          </a:prstGeom>
+          <a:ln w="38100">
+            <a:solidFill>
+              <a:schemeClr val="tx1"/>
+            </a:solidFill>
+          </a:ln>
+        </p:spPr>
+        <p:style>
+          <a:lnRef idx="1">
+            <a:schemeClr val="accent1"/>
+          </a:lnRef>
+          <a:fillRef idx="0">
+            <a:schemeClr val="accent1"/>
+          </a:fillRef>
+          <a:effectRef idx="0">
+            <a:schemeClr val="accent1"/>
+          </a:effectRef>
+          <a:fontRef idx="minor">
+            <a:schemeClr val="tx1"/>
+          </a:fontRef>
+        </p:style>
+      </p:cxnSp>
+      <p:cxnSp>
+        <p:nvCxnSpPr>
+          <p:cNvPr id="57" name="直線コネクタ 56">
+            <a:extLst>
+              <a:ext uri="{FF2B5EF4-FFF2-40B4-BE49-F238E27FC236}">
+                <a16:creationId xmlns:a16="http://schemas.microsoft.com/office/drawing/2014/main" id="{D1CF3061-386B-334F-B435-329E18BE719B}"/>
+              </a:ext>
+            </a:extLst>
+          </p:cNvPr>
+          <p:cNvCxnSpPr>
+            <a:cxnSpLocks/>
+          </p:cNvCxnSpPr>
+          <p:nvPr/>
+        </p:nvCxnSpPr>
+        <p:spPr>
+          <a:xfrm>
+            <a:off x="3168864" y="3931152"/>
+            <a:ext cx="828000" cy="0"/>
+          </a:xfrm>
+          <a:prstGeom prst="line">
+            <a:avLst/>
+          </a:prstGeom>
+          <a:ln w="38100">
+            <a:solidFill>
+              <a:schemeClr val="tx1"/>
+            </a:solidFill>
+          </a:ln>
+        </p:spPr>
+        <p:style>
+          <a:lnRef idx="1">
+            <a:schemeClr val="accent1"/>
+          </a:lnRef>
+          <a:fillRef idx="0">
+            <a:schemeClr val="accent1"/>
+          </a:fillRef>
+          <a:effectRef idx="0">
+            <a:schemeClr val="accent1"/>
+          </a:effectRef>
+          <a:fontRef idx="minor">
+            <a:schemeClr val="tx1"/>
+          </a:fontRef>
+        </p:style>
+      </p:cxnSp>
+      <p:cxnSp>
+        <p:nvCxnSpPr>
+          <p:cNvPr id="60" name="直線コネクタ 59">
+            <a:extLst>
+              <a:ext uri="{FF2B5EF4-FFF2-40B4-BE49-F238E27FC236}">
+                <a16:creationId xmlns:a16="http://schemas.microsoft.com/office/drawing/2014/main" id="{36A53C64-912A-D44A-B377-8FE649870C88}"/>
+              </a:ext>
+            </a:extLst>
+          </p:cNvPr>
+          <p:cNvCxnSpPr>
+            <a:cxnSpLocks/>
+          </p:cNvCxnSpPr>
+          <p:nvPr/>
+        </p:nvCxnSpPr>
+        <p:spPr>
+          <a:xfrm flipV="1">
+            <a:off x="2219968" y="1806412"/>
+            <a:ext cx="468000" cy="468000"/>
+          </a:xfrm>
+          <a:prstGeom prst="line">
+            <a:avLst/>
+          </a:prstGeom>
+          <a:ln w="38100">
+            <a:solidFill>
+              <a:schemeClr val="tx1"/>
+            </a:solidFill>
+          </a:ln>
+        </p:spPr>
+        <p:style>
+          <a:lnRef idx="1">
+            <a:schemeClr val="accent1"/>
+          </a:lnRef>
+          <a:fillRef idx="0">
+            <a:schemeClr val="accent1"/>
+          </a:fillRef>
+          <a:effectRef idx="0">
+            <a:schemeClr val="accent1"/>
+          </a:effectRef>
+          <a:fontRef idx="minor">
+            <a:schemeClr val="tx1"/>
+          </a:fontRef>
+        </p:style>
+      </p:cxnSp>
+      <p:sp>
+        <p:nvSpPr>
+          <p:cNvPr id="62" name="テキスト ボックス 61">
+            <a:extLst>
+              <a:ext uri="{FF2B5EF4-FFF2-40B4-BE49-F238E27FC236}">
+                <a16:creationId xmlns:a16="http://schemas.microsoft.com/office/drawing/2014/main" id="{68A03E11-0006-DA47-B5BA-F079B3BF68FF}"/>
+              </a:ext>
+            </a:extLst>
+          </p:cNvPr>
+          <p:cNvSpPr txBox="1"/>
+          <p:nvPr/>
+        </p:nvSpPr>
+        <p:spPr>
+          <a:xfrm>
+            <a:off x="5934185" y="3087695"/>
+            <a:ext cx="1335223" cy="1200329"/>
+          </a:xfrm>
+          <a:prstGeom prst="rect">
+            <a:avLst/>
+          </a:prstGeom>
+          <a:noFill/>
+        </p:spPr>
+        <p:txBody>
+          <a:bodyPr wrap="square" rtlCol="0">
+            <a:spAutoFit/>
+          </a:bodyPr>
+          <a:lstStyle/>
+          <a:p>
+            <a:pPr algn="ctr"/>
+            <a:r>
+              <a:rPr lang="en-US" altLang="ja-JP" sz="2400" dirty="0"/>
+              <a:t>Bridge Supply Voltage</a:t>
+            </a:r>
+            <a:endParaRPr kumimoji="1" lang="ja-JP" altLang="en-US" sz="2400"/>
+          </a:p>
+        </p:txBody>
+      </p:sp>
+      <p:sp>
+        <p:nvSpPr>
+          <p:cNvPr id="64" name="正方形/長方形 63">
+            <a:extLst>
+              <a:ext uri="{FF2B5EF4-FFF2-40B4-BE49-F238E27FC236}">
+                <a16:creationId xmlns:a16="http://schemas.microsoft.com/office/drawing/2014/main" id="{3415512D-E0E6-784D-BA68-907A2A56B88C}"/>
+              </a:ext>
+            </a:extLst>
+          </p:cNvPr>
+          <p:cNvSpPr/>
+          <p:nvPr/>
+        </p:nvSpPr>
+        <p:spPr>
+          <a:xfrm rot="2682902" flipH="1">
+            <a:off x="3318683" y="1637248"/>
+            <a:ext cx="720000" cy="360000"/>
+          </a:xfrm>
+          <a:prstGeom prst="rect">
+            <a:avLst/>
+          </a:prstGeom>
+          <a:solidFill>
+            <a:schemeClr val="bg1"/>
+          </a:solidFill>
+          <a:ln w="38100">
+            <a:solidFill>
+              <a:schemeClr val="tx1"/>
+            </a:solidFill>
+          </a:ln>
+        </p:spPr>
+        <p:style>
+          <a:lnRef idx="2">
+            <a:schemeClr val="accent1">
+              <a:shade val="50000"/>
+            </a:schemeClr>
+          </a:lnRef>
+          <a:fillRef idx="1">
+            <a:schemeClr val="accent1"/>
+          </a:fillRef>
+          <a:effectRef idx="0">
+            <a:schemeClr val="accent1"/>
+          </a:effectRef>
+          <a:fontRef idx="minor">
+            <a:schemeClr val="lt1"/>
+          </a:fontRef>
+        </p:style>
+        <p:txBody>
+          <a:bodyPr rtlCol="0" anchor="ctr"/>
+          <a:lstStyle/>
+          <a:p>
+            <a:pPr algn="ctr"/>
+            <a:endParaRPr kumimoji="1" lang="ja-JP" altLang="en-US" sz="2400">
+              <a:solidFill>
+                <a:schemeClr val="tx1"/>
+              </a:solidFill>
+            </a:endParaRPr>
+          </a:p>
+        </p:txBody>
+      </p:sp>
+      <p:sp>
+        <p:nvSpPr>
+          <p:cNvPr id="65" name="正方形/長方形 64">
+            <a:extLst>
+              <a:ext uri="{FF2B5EF4-FFF2-40B4-BE49-F238E27FC236}">
+                <a16:creationId xmlns:a16="http://schemas.microsoft.com/office/drawing/2014/main" id="{C9BB291B-D5D0-FD44-AB51-88DD0EEC5196}"/>
+              </a:ext>
+            </a:extLst>
+          </p:cNvPr>
+          <p:cNvSpPr/>
+          <p:nvPr/>
+        </p:nvSpPr>
+        <p:spPr>
+          <a:xfrm rot="2682902" flipH="1">
+            <a:off x="2346966" y="2594446"/>
+            <a:ext cx="720000" cy="360000"/>
+          </a:xfrm>
+          <a:prstGeom prst="rect">
+            <a:avLst/>
+          </a:prstGeom>
+          <a:solidFill>
+            <a:schemeClr val="bg1"/>
+          </a:solidFill>
+          <a:ln w="38100">
+            <a:solidFill>
+              <a:schemeClr val="tx1"/>
+            </a:solidFill>
+          </a:ln>
+        </p:spPr>
+        <p:style>
+          <a:lnRef idx="2">
+            <a:schemeClr val="accent1">
+              <a:shade val="50000"/>
+            </a:schemeClr>
+          </a:lnRef>
+          <a:fillRef idx="1">
+            <a:schemeClr val="accent1"/>
+          </a:fillRef>
+          <a:effectRef idx="0">
+            <a:schemeClr val="accent1"/>
+          </a:effectRef>
+          <a:fontRef idx="minor">
+            <a:schemeClr val="lt1"/>
+          </a:fontRef>
+        </p:style>
+        <p:txBody>
+          <a:bodyPr rtlCol="0" anchor="ctr"/>
+          <a:lstStyle/>
+          <a:p>
+            <a:pPr algn="ctr"/>
+            <a:endParaRPr kumimoji="1" lang="ja-JP" altLang="en-US" sz="2400">
+              <a:solidFill>
+                <a:schemeClr val="tx1"/>
+              </a:solidFill>
+            </a:endParaRPr>
+          </a:p>
+        </p:txBody>
+      </p:sp>
+      <p:sp>
+        <p:nvSpPr>
+          <p:cNvPr id="67" name="円/楕円 66">
+            <a:extLst>
+              <a:ext uri="{FF2B5EF4-FFF2-40B4-BE49-F238E27FC236}">
+                <a16:creationId xmlns:a16="http://schemas.microsoft.com/office/drawing/2014/main" id="{1E24A38B-861F-0E4A-AE33-B529BEB57A3C}"/>
+              </a:ext>
+            </a:extLst>
+          </p:cNvPr>
+          <p:cNvSpPr/>
+          <p:nvPr/>
+        </p:nvSpPr>
+        <p:spPr>
+          <a:xfrm>
+            <a:off x="3106803" y="1259017"/>
+            <a:ext cx="144000" cy="144000"/>
+          </a:xfrm>
+          <a:prstGeom prst="ellipse">
+            <a:avLst/>
+          </a:prstGeom>
+          <a:solidFill>
+            <a:schemeClr val="tx1"/>
+          </a:solidFill>
+          <a:ln>
+            <a:noFill/>
+          </a:ln>
+        </p:spPr>
+        <p:style>
+          <a:lnRef idx="2">
+            <a:schemeClr val="accent1">
+              <a:shade val="50000"/>
+            </a:schemeClr>
+          </a:lnRef>
+          <a:fillRef idx="1">
+            <a:schemeClr val="accent1"/>
+          </a:fillRef>
+          <a:effectRef idx="0">
+            <a:schemeClr val="accent1"/>
+          </a:effectRef>
+          <a:fontRef idx="minor">
+            <a:schemeClr val="lt1"/>
+          </a:fontRef>
+        </p:style>
+        <p:txBody>
+          <a:bodyPr rtlCol="0" anchor="ctr"/>
+          <a:lstStyle/>
+          <a:p>
+            <a:pPr algn="ctr"/>
+            <a:endParaRPr kumimoji="1" lang="ja-JP" altLang="en-US"/>
+          </a:p>
+        </p:txBody>
+      </p:sp>
+      <p:sp>
+        <p:nvSpPr>
+          <p:cNvPr id="68" name="円/楕円 67">
+            <a:extLst>
+              <a:ext uri="{FF2B5EF4-FFF2-40B4-BE49-F238E27FC236}">
+                <a16:creationId xmlns:a16="http://schemas.microsoft.com/office/drawing/2014/main" id="{2C1EBA1F-2372-CE46-AA79-073AC4363C55}"/>
+              </a:ext>
+            </a:extLst>
+          </p:cNvPr>
+          <p:cNvSpPr/>
+          <p:nvPr/>
+        </p:nvSpPr>
+        <p:spPr>
+          <a:xfrm>
+            <a:off x="3106803" y="3160927"/>
+            <a:ext cx="144000" cy="144000"/>
+          </a:xfrm>
+          <a:prstGeom prst="ellipse">
+            <a:avLst/>
+          </a:prstGeom>
+          <a:solidFill>
+            <a:schemeClr val="tx1"/>
+          </a:solidFill>
+          <a:ln>
+            <a:noFill/>
+          </a:ln>
+        </p:spPr>
+        <p:style>
+          <a:lnRef idx="2">
+            <a:schemeClr val="accent1">
+              <a:shade val="50000"/>
+            </a:schemeClr>
+          </a:lnRef>
+          <a:fillRef idx="1">
+            <a:schemeClr val="accent1"/>
+          </a:fillRef>
+          <a:effectRef idx="0">
+            <a:schemeClr val="accent1"/>
+          </a:effectRef>
+          <a:fontRef idx="minor">
+            <a:schemeClr val="lt1"/>
+          </a:fontRef>
+        </p:style>
+        <p:txBody>
+          <a:bodyPr rtlCol="0" anchor="ctr"/>
+          <a:lstStyle/>
+          <a:p>
+            <a:pPr algn="ctr"/>
+            <a:endParaRPr kumimoji="1" lang="ja-JP" altLang="en-US"/>
+          </a:p>
+        </p:txBody>
+      </p:sp>
+      <p:pic>
+        <p:nvPicPr>
+          <p:cNvPr id="42" name="図 41">
+            <a:extLst>
+              <a:ext uri="{FF2B5EF4-FFF2-40B4-BE49-F238E27FC236}">
+                <a16:creationId xmlns:a16="http://schemas.microsoft.com/office/drawing/2014/main" id="{417F9D53-CDEA-4F67-A427-3F3D46A21542}"/>
+              </a:ext>
+            </a:extLst>
+          </p:cNvPr>
+          <p:cNvPicPr>
+            <a:picLocks noChangeAspect="1"/>
+          </p:cNvPicPr>
+          <p:nvPr/>
+        </p:nvPicPr>
+        <p:blipFill rotWithShape="1">
+          <a:blip r:embed="rId2"/>
+          <a:srcRect l="37142" t="32015" b="23885"/>
+          <a:stretch/>
+        </p:blipFill>
+        <p:spPr>
+          <a:xfrm rot="10800000">
+            <a:off x="467006" y="2960929"/>
+            <a:ext cx="2194560" cy="950976"/>
+          </a:xfrm>
+          <a:prstGeom prst="rect">
+            <a:avLst/>
+          </a:prstGeom>
+        </p:spPr>
+      </p:pic>
+      <p:cxnSp>
+        <p:nvCxnSpPr>
+          <p:cNvPr id="43" name="直線コネクタ 42">
+            <a:extLst>
+              <a:ext uri="{FF2B5EF4-FFF2-40B4-BE49-F238E27FC236}">
+                <a16:creationId xmlns:a16="http://schemas.microsoft.com/office/drawing/2014/main" id="{0E479692-A55C-43B5-8892-B8885BB215D0}"/>
+              </a:ext>
+            </a:extLst>
+          </p:cNvPr>
+          <p:cNvCxnSpPr>
+            <a:cxnSpLocks/>
+          </p:cNvCxnSpPr>
+          <p:nvPr/>
+        </p:nvCxnSpPr>
+        <p:spPr>
+          <a:xfrm>
+            <a:off x="1925804" y="3420122"/>
+            <a:ext cx="1620000" cy="0"/>
+          </a:xfrm>
+          <a:prstGeom prst="line">
+            <a:avLst/>
+          </a:prstGeom>
+          <a:ln w="38100">
+            <a:solidFill>
+              <a:schemeClr val="tx1"/>
+            </a:solidFill>
+          </a:ln>
+        </p:spPr>
+        <p:style>
+          <a:lnRef idx="1">
+            <a:schemeClr val="accent1"/>
+          </a:lnRef>
+          <a:fillRef idx="0">
+            <a:schemeClr val="accent1"/>
+          </a:fillRef>
+          <a:effectRef idx="0">
+            <a:schemeClr val="accent1"/>
+          </a:effectRef>
+          <a:fontRef idx="minor">
+            <a:schemeClr val="tx1"/>
+          </a:fontRef>
+        </p:style>
+      </p:cxnSp>
+      <p:cxnSp>
+        <p:nvCxnSpPr>
+          <p:cNvPr id="46" name="直線コネクタ 45">
+            <a:extLst>
+              <a:ext uri="{FF2B5EF4-FFF2-40B4-BE49-F238E27FC236}">
+                <a16:creationId xmlns:a16="http://schemas.microsoft.com/office/drawing/2014/main" id="{5ED0C64F-70AA-4A48-AB59-16D92555B762}"/>
+              </a:ext>
+            </a:extLst>
+          </p:cNvPr>
+          <p:cNvCxnSpPr>
+            <a:cxnSpLocks/>
+          </p:cNvCxnSpPr>
+          <p:nvPr/>
+        </p:nvCxnSpPr>
+        <p:spPr>
+          <a:xfrm>
+            <a:off x="1926336" y="3572522"/>
+            <a:ext cx="1800000" cy="0"/>
+          </a:xfrm>
+          <a:prstGeom prst="line">
+            <a:avLst/>
+          </a:prstGeom>
+          <a:ln w="38100">
+            <a:solidFill>
+              <a:schemeClr val="tx1"/>
+            </a:solidFill>
+          </a:ln>
+        </p:spPr>
+        <p:style>
+          <a:lnRef idx="1">
+            <a:schemeClr val="accent1"/>
+          </a:lnRef>
+          <a:fillRef idx="0">
+            <a:schemeClr val="accent1"/>
+          </a:fillRef>
+          <a:effectRef idx="0">
+            <a:schemeClr val="accent1"/>
+          </a:effectRef>
+          <a:fontRef idx="minor">
+            <a:schemeClr val="tx1"/>
+          </a:fontRef>
+        </p:style>
+      </p:cxnSp>
+      <p:cxnSp>
+        <p:nvCxnSpPr>
+          <p:cNvPr id="47" name="直線コネクタ 46">
+            <a:extLst>
+              <a:ext uri="{FF2B5EF4-FFF2-40B4-BE49-F238E27FC236}">
+                <a16:creationId xmlns:a16="http://schemas.microsoft.com/office/drawing/2014/main" id="{D22CFDB0-52E6-4F3E-9D64-F05170B093E3}"/>
+              </a:ext>
+            </a:extLst>
+          </p:cNvPr>
+          <p:cNvCxnSpPr>
+            <a:cxnSpLocks/>
+          </p:cNvCxnSpPr>
+          <p:nvPr/>
+        </p:nvCxnSpPr>
+        <p:spPr>
+          <a:xfrm>
+            <a:off x="1923322" y="1811458"/>
+            <a:ext cx="756000" cy="0"/>
+          </a:xfrm>
+          <a:prstGeom prst="line">
+            <a:avLst/>
+          </a:prstGeom>
+          <a:ln w="38100">
+            <a:solidFill>
+              <a:schemeClr val="tx1"/>
+            </a:solidFill>
+          </a:ln>
+        </p:spPr>
+        <p:style>
+          <a:lnRef idx="1">
+            <a:schemeClr val="accent1"/>
+          </a:lnRef>
+          <a:fillRef idx="0">
+            <a:schemeClr val="accent1"/>
+          </a:fillRef>
+          <a:effectRef idx="0">
+            <a:schemeClr val="accent1"/>
+          </a:effectRef>
+          <a:fontRef idx="minor">
+            <a:schemeClr val="tx1"/>
+          </a:fontRef>
+        </p:style>
+      </p:cxnSp>
+      <p:cxnSp>
+        <p:nvCxnSpPr>
+          <p:cNvPr id="49" name="直線コネクタ 48">
+            <a:extLst>
+              <a:ext uri="{FF2B5EF4-FFF2-40B4-BE49-F238E27FC236}">
+                <a16:creationId xmlns:a16="http://schemas.microsoft.com/office/drawing/2014/main" id="{9963A14D-B893-42ED-A6FA-7E9D9B58FBC5}"/>
+              </a:ext>
+            </a:extLst>
+          </p:cNvPr>
+          <p:cNvCxnSpPr/>
+          <p:nvPr/>
+        </p:nvCxnSpPr>
+        <p:spPr>
+          <a:xfrm flipV="1">
+            <a:off x="3719904" y="2265534"/>
+            <a:ext cx="432000" cy="432000"/>
+          </a:xfrm>
+          <a:prstGeom prst="line">
+            <a:avLst/>
+          </a:prstGeom>
+          <a:ln w="38100">
+            <a:solidFill>
+              <a:schemeClr val="tx1"/>
+            </a:solidFill>
+          </a:ln>
+        </p:spPr>
+        <p:style>
+          <a:lnRef idx="1">
+            <a:schemeClr val="accent1"/>
+          </a:lnRef>
+          <a:fillRef idx="0">
+            <a:schemeClr val="accent1"/>
+          </a:fillRef>
+          <a:effectRef idx="0">
+            <a:schemeClr val="accent1"/>
+          </a:effectRef>
+          <a:fontRef idx="minor">
+            <a:schemeClr val="tx1"/>
+          </a:fontRef>
+        </p:style>
+      </p:cxnSp>
+      <p:cxnSp>
+        <p:nvCxnSpPr>
+          <p:cNvPr id="50" name="直線コネクタ 49">
+            <a:extLst>
+              <a:ext uri="{FF2B5EF4-FFF2-40B4-BE49-F238E27FC236}">
+                <a16:creationId xmlns:a16="http://schemas.microsoft.com/office/drawing/2014/main" id="{799998A0-E9D5-400B-BB5B-0082CB4E8F36}"/>
+              </a:ext>
+            </a:extLst>
+          </p:cNvPr>
+          <p:cNvCxnSpPr>
+            <a:cxnSpLocks/>
+          </p:cNvCxnSpPr>
+          <p:nvPr/>
+        </p:nvCxnSpPr>
+        <p:spPr>
+          <a:xfrm flipV="1">
+            <a:off x="3719904" y="2679778"/>
+            <a:ext cx="0" cy="900000"/>
+          </a:xfrm>
+          <a:prstGeom prst="line">
+            <a:avLst/>
+          </a:prstGeom>
+          <a:ln w="38100">
+            <a:solidFill>
+              <a:schemeClr val="tx1"/>
+            </a:solidFill>
+          </a:ln>
+        </p:spPr>
+        <p:style>
+          <a:lnRef idx="1">
+            <a:schemeClr val="accent1"/>
+          </a:lnRef>
+          <a:fillRef idx="0">
+            <a:schemeClr val="accent1"/>
+          </a:fillRef>
+          <a:effectRef idx="0">
+            <a:schemeClr val="accent1"/>
+          </a:effectRef>
+          <a:fontRef idx="minor">
+            <a:schemeClr val="tx1"/>
+          </a:fontRef>
+        </p:style>
+      </p:cxnSp>
+      <p:cxnSp>
+        <p:nvCxnSpPr>
+          <p:cNvPr id="52" name="直線コネクタ 51">
+            <a:extLst>
+              <a:ext uri="{FF2B5EF4-FFF2-40B4-BE49-F238E27FC236}">
+                <a16:creationId xmlns:a16="http://schemas.microsoft.com/office/drawing/2014/main" id="{F3F048B2-1AEF-415F-B7C4-7C4EE3AD26A2}"/>
+              </a:ext>
+            </a:extLst>
+          </p:cNvPr>
+          <p:cNvCxnSpPr>
+            <a:cxnSpLocks/>
+          </p:cNvCxnSpPr>
+          <p:nvPr/>
+        </p:nvCxnSpPr>
+        <p:spPr>
+          <a:xfrm flipV="1">
+            <a:off x="3537986" y="2855687"/>
+            <a:ext cx="0" cy="576000"/>
+          </a:xfrm>
+          <a:prstGeom prst="line">
+            <a:avLst/>
+          </a:prstGeom>
+          <a:ln w="38100">
+            <a:solidFill>
+              <a:schemeClr val="tx1"/>
+            </a:solidFill>
+          </a:ln>
+        </p:spPr>
+        <p:style>
+          <a:lnRef idx="1">
+            <a:schemeClr val="accent1"/>
+          </a:lnRef>
+          <a:fillRef idx="0">
+            <a:schemeClr val="accent1"/>
+          </a:fillRef>
+          <a:effectRef idx="0">
+            <a:schemeClr val="accent1"/>
+          </a:effectRef>
+          <a:fontRef idx="minor">
+            <a:schemeClr val="tx1"/>
+          </a:fontRef>
+        </p:style>
+      </p:cxnSp>
+      <p:sp>
+        <p:nvSpPr>
+          <p:cNvPr id="2" name="正方形/長方形 1">
+            <a:extLst>
+              <a:ext uri="{FF2B5EF4-FFF2-40B4-BE49-F238E27FC236}">
+                <a16:creationId xmlns:a16="http://schemas.microsoft.com/office/drawing/2014/main" id="{014CDD03-5C94-427A-91D5-E3CD36F93103}"/>
+              </a:ext>
+            </a:extLst>
+          </p:cNvPr>
+          <p:cNvSpPr/>
+          <p:nvPr/>
+        </p:nvSpPr>
+        <p:spPr>
+          <a:xfrm>
+            <a:off x="5729685" y="807797"/>
+            <a:ext cx="2116285" cy="523220"/>
+          </a:xfrm>
+          <a:prstGeom prst="rect">
+            <a:avLst/>
+          </a:prstGeom>
+        </p:spPr>
+        <p:txBody>
+          <a:bodyPr wrap="none">
+            <a:spAutoFit/>
+          </a:bodyPr>
+          <a:lstStyle/>
+          <a:p>
+            <a:pPr algn="ctr"/>
+            <a:r>
+              <a:rPr lang="en-US" altLang="ja-JP" sz="2800" dirty="0"/>
+              <a:t>Strain Amp.</a:t>
+            </a:r>
+            <a:endParaRPr lang="ja-JP" altLang="en-US" sz="2800" dirty="0"/>
+          </a:p>
+        </p:txBody>
+      </p:sp>
+    </p:spTree>
+    <p:extLst>
+      <p:ext uri="{BB962C8B-B14F-4D97-AF65-F5344CB8AC3E}">
+        <p14:creationId xmlns:p14="http://schemas.microsoft.com/office/powerpoint/2010/main" val="3066796262"/>
+      </p:ext>
+    </p:extLst>
+  </p:cSld>
+  <p:clrMapOvr>
+    <a:masterClrMapping/>
+  </p:clrMapOvr>
+</p:sld>
+</file>
+
+<file path=ppt/slides/slide3.xml><?xml version="1.0" encoding="utf-8"?>
+<p:sld xmlns:a="http://schemas.openxmlformats.org/drawingml/2006/main" xmlns:r="http://schemas.openxmlformats.org/officeDocument/2006/relationships" xmlns:p="http://schemas.openxmlformats.org/presentationml/2006/main">
+  <p:cSld>
+    <p:spTree>
+      <p:nvGrpSpPr>
+        <p:cNvPr id="1" name=""/>
+        <p:cNvGrpSpPr/>
+        <p:nvPr/>
+      </p:nvGrpSpPr>
+      <p:grpSpPr>
+        <a:xfrm>
+          <a:off x="0" y="0"/>
+          <a:ext cx="0" cy="0"/>
+          <a:chOff x="0" y="0"/>
+          <a:chExt cx="0" cy="0"/>
+        </a:xfrm>
+      </p:grpSpPr>
+      <p:cxnSp>
+        <p:nvCxnSpPr>
+          <p:cNvPr id="2" name="直線コネクタ 1">
+            <a:extLst>
+              <a:ext uri="{FF2B5EF4-FFF2-40B4-BE49-F238E27FC236}">
+                <a16:creationId xmlns:a16="http://schemas.microsoft.com/office/drawing/2014/main" id="{D413A810-ED6F-47AA-8CF1-154DB498E9CD}"/>
+              </a:ext>
+            </a:extLst>
+          </p:cNvPr>
+          <p:cNvCxnSpPr>
+            <a:cxnSpLocks/>
+          </p:cNvCxnSpPr>
+          <p:nvPr/>
+        </p:nvCxnSpPr>
+        <p:spPr>
+          <a:xfrm flipH="1" flipV="1">
+            <a:off x="1968126" y="2932961"/>
+            <a:ext cx="0" cy="576000"/>
+          </a:xfrm>
+          <a:prstGeom prst="line">
+            <a:avLst/>
+          </a:prstGeom>
+          <a:ln w="38100">
+            <a:solidFill>
+              <a:schemeClr val="tx1"/>
+            </a:solidFill>
+          </a:ln>
+        </p:spPr>
+        <p:style>
+          <a:lnRef idx="1">
+            <a:schemeClr val="accent1"/>
+          </a:lnRef>
+          <a:fillRef idx="0">
+            <a:schemeClr val="accent1"/>
+          </a:fillRef>
+          <a:effectRef idx="0">
+            <a:schemeClr val="accent1"/>
+          </a:effectRef>
+          <a:fontRef idx="minor">
+            <a:schemeClr val="tx1"/>
+          </a:fontRef>
+        </p:style>
+      </p:cxnSp>
+      <p:cxnSp>
+        <p:nvCxnSpPr>
+          <p:cNvPr id="4" name="直線コネクタ 3">
+            <a:extLst>
+              <a:ext uri="{FF2B5EF4-FFF2-40B4-BE49-F238E27FC236}">
+                <a16:creationId xmlns:a16="http://schemas.microsoft.com/office/drawing/2014/main" id="{56A3CFEA-DC28-424A-B82F-2DCB83A804F5}"/>
+              </a:ext>
+            </a:extLst>
+          </p:cNvPr>
+          <p:cNvCxnSpPr>
+            <a:cxnSpLocks/>
+          </p:cNvCxnSpPr>
+          <p:nvPr/>
+        </p:nvCxnSpPr>
+        <p:spPr>
+          <a:xfrm>
+            <a:off x="1968126" y="3212730"/>
+            <a:ext cx="900000" cy="0"/>
+          </a:xfrm>
+          <a:prstGeom prst="line">
+            <a:avLst/>
+          </a:prstGeom>
+          <a:ln w="38100">
+            <a:solidFill>
+              <a:schemeClr val="tx1"/>
+            </a:solidFill>
+          </a:ln>
+        </p:spPr>
+        <p:style>
+          <a:lnRef idx="1">
+            <a:schemeClr val="accent1"/>
+          </a:lnRef>
+          <a:fillRef idx="0">
+            <a:schemeClr val="accent1"/>
+          </a:fillRef>
+          <a:effectRef idx="0">
+            <a:schemeClr val="accent1"/>
+          </a:effectRef>
+          <a:fontRef idx="minor">
+            <a:schemeClr val="tx1"/>
+          </a:fontRef>
+        </p:style>
+      </p:cxnSp>
+      <p:cxnSp>
+        <p:nvCxnSpPr>
+          <p:cNvPr id="5" name="直線コネクタ 4">
+            <a:extLst>
+              <a:ext uri="{FF2B5EF4-FFF2-40B4-BE49-F238E27FC236}">
+                <a16:creationId xmlns:a16="http://schemas.microsoft.com/office/drawing/2014/main" id="{C5375617-0469-462C-9BBF-C87BD702D33F}"/>
+              </a:ext>
+            </a:extLst>
+          </p:cNvPr>
+          <p:cNvCxnSpPr>
+            <a:cxnSpLocks/>
+          </p:cNvCxnSpPr>
+          <p:nvPr/>
+        </p:nvCxnSpPr>
+        <p:spPr>
+          <a:xfrm>
+            <a:off x="2418126" y="4174477"/>
+            <a:ext cx="1784833" cy="12416"/>
+          </a:xfrm>
+          <a:prstGeom prst="line">
+            <a:avLst/>
+          </a:prstGeom>
+          <a:ln w="38100">
+            <a:solidFill>
+              <a:schemeClr val="tx1"/>
+            </a:solidFill>
+          </a:ln>
+        </p:spPr>
+        <p:style>
+          <a:lnRef idx="1">
+            <a:schemeClr val="accent1"/>
+          </a:lnRef>
+          <a:fillRef idx="0">
+            <a:schemeClr val="accent1"/>
+          </a:fillRef>
+          <a:effectRef idx="0">
+            <a:schemeClr val="accent1"/>
+          </a:effectRef>
+          <a:fontRef idx="minor">
+            <a:schemeClr val="tx1"/>
+          </a:fontRef>
+        </p:style>
+      </p:cxnSp>
+      <p:cxnSp>
+        <p:nvCxnSpPr>
+          <p:cNvPr id="6" name="直線コネクタ 5">
+            <a:extLst>
+              <a:ext uri="{FF2B5EF4-FFF2-40B4-BE49-F238E27FC236}">
+                <a16:creationId xmlns:a16="http://schemas.microsoft.com/office/drawing/2014/main" id="{F1152A83-1D76-40D8-9C30-0B9DFDEA43F6}"/>
+              </a:ext>
+            </a:extLst>
+          </p:cNvPr>
+          <p:cNvCxnSpPr>
+            <a:cxnSpLocks/>
+          </p:cNvCxnSpPr>
+          <p:nvPr/>
+        </p:nvCxnSpPr>
+        <p:spPr>
+          <a:xfrm flipH="1" flipV="1">
+            <a:off x="2873731" y="2932961"/>
+            <a:ext cx="0" cy="576000"/>
+          </a:xfrm>
+          <a:prstGeom prst="line">
+            <a:avLst/>
+          </a:prstGeom>
+          <a:ln w="38100">
+            <a:solidFill>
+              <a:schemeClr val="tx1"/>
+            </a:solidFill>
+          </a:ln>
+        </p:spPr>
+        <p:style>
+          <a:lnRef idx="1">
+            <a:schemeClr val="accent1"/>
+          </a:lnRef>
+          <a:fillRef idx="0">
+            <a:schemeClr val="accent1"/>
+          </a:fillRef>
+          <a:effectRef idx="0">
+            <a:schemeClr val="accent1"/>
+          </a:effectRef>
+          <a:fontRef idx="minor">
+            <a:schemeClr val="tx1"/>
+          </a:fontRef>
+        </p:style>
+      </p:cxnSp>
+      <p:cxnSp>
+        <p:nvCxnSpPr>
+          <p:cNvPr id="7" name="直線コネクタ 6">
+            <a:extLst>
+              <a:ext uri="{FF2B5EF4-FFF2-40B4-BE49-F238E27FC236}">
+                <a16:creationId xmlns:a16="http://schemas.microsoft.com/office/drawing/2014/main" id="{82188602-C99F-4196-BD79-9D6F2457C47D}"/>
+              </a:ext>
+            </a:extLst>
+          </p:cNvPr>
+          <p:cNvCxnSpPr>
+            <a:cxnSpLocks/>
+          </p:cNvCxnSpPr>
+          <p:nvPr/>
+        </p:nvCxnSpPr>
+        <p:spPr>
+          <a:xfrm flipH="1" flipV="1">
+            <a:off x="2418126" y="3886477"/>
+            <a:ext cx="0" cy="576000"/>
+          </a:xfrm>
+          <a:prstGeom prst="line">
+            <a:avLst/>
+          </a:prstGeom>
+          <a:ln w="38100">
+            <a:solidFill>
+              <a:schemeClr val="tx1"/>
+            </a:solidFill>
+          </a:ln>
+        </p:spPr>
+        <p:style>
+          <a:lnRef idx="1">
+            <a:schemeClr val="accent1"/>
+          </a:lnRef>
+          <a:fillRef idx="0">
+            <a:schemeClr val="accent1"/>
+          </a:fillRef>
+          <a:effectRef idx="0">
+            <a:schemeClr val="accent1"/>
+          </a:effectRef>
+          <a:fontRef idx="minor">
+            <a:schemeClr val="tx1"/>
+          </a:fontRef>
+        </p:style>
+      </p:cxnSp>
+      <p:cxnSp>
+        <p:nvCxnSpPr>
+          <p:cNvPr id="8" name="直線コネクタ 7">
+            <a:extLst>
+              <a:ext uri="{FF2B5EF4-FFF2-40B4-BE49-F238E27FC236}">
+                <a16:creationId xmlns:a16="http://schemas.microsoft.com/office/drawing/2014/main" id="{DECFC42D-4BEC-42F5-84D7-53230563B034}"/>
+              </a:ext>
+            </a:extLst>
+          </p:cNvPr>
+          <p:cNvCxnSpPr>
+            <a:cxnSpLocks/>
+          </p:cNvCxnSpPr>
+          <p:nvPr/>
+        </p:nvCxnSpPr>
+        <p:spPr>
+          <a:xfrm flipH="1" flipV="1">
+            <a:off x="6185406" y="3891716"/>
+            <a:ext cx="0" cy="576000"/>
+          </a:xfrm>
+          <a:prstGeom prst="line">
+            <a:avLst/>
+          </a:prstGeom>
+          <a:ln w="38100">
+            <a:solidFill>
+              <a:schemeClr val="tx1"/>
+            </a:solidFill>
+          </a:ln>
+        </p:spPr>
+        <p:style>
+          <a:lnRef idx="1">
+            <a:schemeClr val="accent1"/>
+          </a:lnRef>
+          <a:fillRef idx="0">
+            <a:schemeClr val="accent1"/>
+          </a:fillRef>
+          <a:effectRef idx="0">
+            <a:schemeClr val="accent1"/>
+          </a:effectRef>
+          <a:fontRef idx="minor">
+            <a:schemeClr val="tx1"/>
+          </a:fontRef>
+        </p:style>
+      </p:cxnSp>
+      <p:sp>
+        <p:nvSpPr>
+          <p:cNvPr id="10" name="テキスト ボックス 9">
+            <a:extLst>
+              <a:ext uri="{FF2B5EF4-FFF2-40B4-BE49-F238E27FC236}">
+                <a16:creationId xmlns:a16="http://schemas.microsoft.com/office/drawing/2014/main" id="{BBDF067C-BD7B-4B28-8688-4C7C326DDA90}"/>
+              </a:ext>
+            </a:extLst>
+          </p:cNvPr>
+          <p:cNvSpPr txBox="1"/>
+          <p:nvPr/>
+        </p:nvSpPr>
+        <p:spPr>
+          <a:xfrm>
+            <a:off x="2029923" y="4452299"/>
+            <a:ext cx="776405" cy="400110"/>
+          </a:xfrm>
+          <a:prstGeom prst="rect">
+            <a:avLst/>
+          </a:prstGeom>
+          <a:noFill/>
+        </p:spPr>
+        <p:txBody>
+          <a:bodyPr wrap="square" rtlCol="0">
+            <a:spAutoFit/>
+          </a:bodyPr>
+          <a:lstStyle/>
+          <a:p>
+            <a:pPr algn="ctr"/>
+            <a:r>
+              <a:rPr kumimoji="1" lang="en-US" altLang="ja-JP" sz="2000" dirty="0"/>
+              <a:t>0.6N</a:t>
+            </a:r>
+            <a:endParaRPr kumimoji="1" lang="ja-JP" altLang="en-US" sz="2000" dirty="0"/>
+          </a:p>
+        </p:txBody>
+      </p:sp>
+      <p:sp>
+        <p:nvSpPr>
+          <p:cNvPr id="11" name="テキスト ボックス 10">
+            <a:extLst>
+              <a:ext uri="{FF2B5EF4-FFF2-40B4-BE49-F238E27FC236}">
+                <a16:creationId xmlns:a16="http://schemas.microsoft.com/office/drawing/2014/main" id="{D7020BB4-92AE-4DEC-A853-AE5D40C721CA}"/>
+              </a:ext>
+            </a:extLst>
+          </p:cNvPr>
+          <p:cNvSpPr txBox="1"/>
+          <p:nvPr/>
+        </p:nvSpPr>
+        <p:spPr>
+          <a:xfrm>
+            <a:off x="2486010" y="3508961"/>
+            <a:ext cx="759935" cy="400110"/>
+          </a:xfrm>
+          <a:prstGeom prst="rect">
+            <a:avLst/>
+          </a:prstGeom>
+          <a:noFill/>
+        </p:spPr>
+        <p:txBody>
+          <a:bodyPr wrap="square" rtlCol="0">
+            <a:spAutoFit/>
+          </a:bodyPr>
+          <a:lstStyle/>
+          <a:p>
+            <a:pPr algn="ctr"/>
+            <a:r>
+              <a:rPr kumimoji="1" lang="en-US" altLang="ja-JP" sz="2000" dirty="0"/>
+              <a:t>16N</a:t>
+            </a:r>
+            <a:endParaRPr kumimoji="1" lang="ja-JP" altLang="en-US" sz="2000" dirty="0"/>
+          </a:p>
+        </p:txBody>
+      </p:sp>
+      <p:sp>
+        <p:nvSpPr>
+          <p:cNvPr id="12" name="テキスト ボックス 11">
+            <a:extLst>
+              <a:ext uri="{FF2B5EF4-FFF2-40B4-BE49-F238E27FC236}">
+                <a16:creationId xmlns:a16="http://schemas.microsoft.com/office/drawing/2014/main" id="{C8AE49E9-2DC2-417B-B560-3AC8526E7C45}"/>
+              </a:ext>
+            </a:extLst>
+          </p:cNvPr>
+          <p:cNvSpPr txBox="1"/>
+          <p:nvPr/>
+        </p:nvSpPr>
+        <p:spPr>
+          <a:xfrm>
+            <a:off x="5743031" y="4406851"/>
+            <a:ext cx="884750" cy="400110"/>
+          </a:xfrm>
+          <a:prstGeom prst="rect">
+            <a:avLst/>
+          </a:prstGeom>
+          <a:noFill/>
+        </p:spPr>
+        <p:txBody>
+          <a:bodyPr wrap="square" rtlCol="0">
+            <a:spAutoFit/>
+          </a:bodyPr>
+          <a:lstStyle/>
+          <a:p>
+            <a:pPr algn="ctr"/>
+            <a:r>
+              <a:rPr lang="en-US" altLang="ja-JP" sz="2000" dirty="0"/>
+              <a:t>200</a:t>
+            </a:r>
+            <a:r>
+              <a:rPr kumimoji="1" lang="en-US" altLang="ja-JP" sz="2000" dirty="0"/>
+              <a:t>N</a:t>
+            </a:r>
+            <a:endParaRPr kumimoji="1" lang="ja-JP" altLang="en-US" sz="2000" dirty="0"/>
+          </a:p>
+        </p:txBody>
+      </p:sp>
+      <p:cxnSp>
+        <p:nvCxnSpPr>
+          <p:cNvPr id="15" name="コネクタ: 曲線 14">
+            <a:extLst>
+              <a:ext uri="{FF2B5EF4-FFF2-40B4-BE49-F238E27FC236}">
+                <a16:creationId xmlns:a16="http://schemas.microsoft.com/office/drawing/2014/main" id="{1B0A810C-77E9-4540-AE42-15E9AED81E3B}"/>
+              </a:ext>
+            </a:extLst>
+          </p:cNvPr>
+          <p:cNvCxnSpPr>
+            <a:cxnSpLocks/>
+          </p:cNvCxnSpPr>
+          <p:nvPr/>
+        </p:nvCxnSpPr>
+        <p:spPr>
+          <a:xfrm rot="7380000" flipV="1">
+            <a:off x="3968959" y="4042842"/>
+            <a:ext cx="468000" cy="253161"/>
+          </a:xfrm>
+          <a:prstGeom prst="curvedConnector3">
+            <a:avLst/>
+          </a:prstGeom>
+          <a:ln w="38100">
+            <a:solidFill>
+              <a:schemeClr val="tx1"/>
+            </a:solidFill>
+          </a:ln>
+        </p:spPr>
+        <p:style>
+          <a:lnRef idx="1">
+            <a:schemeClr val="dk1"/>
+          </a:lnRef>
+          <a:fillRef idx="0">
+            <a:schemeClr val="dk1"/>
+          </a:fillRef>
+          <a:effectRef idx="0">
+            <a:schemeClr val="dk1"/>
+          </a:effectRef>
+          <a:fontRef idx="minor">
+            <a:schemeClr val="tx1"/>
+          </a:fontRef>
+        </p:style>
+      </p:cxnSp>
+      <p:cxnSp>
+        <p:nvCxnSpPr>
+          <p:cNvPr id="19" name="コネクタ: 曲線 18">
+            <a:extLst>
+              <a:ext uri="{FF2B5EF4-FFF2-40B4-BE49-F238E27FC236}">
+                <a16:creationId xmlns:a16="http://schemas.microsoft.com/office/drawing/2014/main" id="{B814D43B-95E6-4F54-B14F-14EEC0358C58}"/>
+              </a:ext>
+            </a:extLst>
+          </p:cNvPr>
+          <p:cNvCxnSpPr>
+            <a:cxnSpLocks/>
+          </p:cNvCxnSpPr>
+          <p:nvPr/>
+        </p:nvCxnSpPr>
+        <p:spPr>
+          <a:xfrm rot="7380000" flipV="1">
+            <a:off x="4165052" y="4051435"/>
+            <a:ext cx="468000" cy="253161"/>
+          </a:xfrm>
+          <a:prstGeom prst="curvedConnector3">
+            <a:avLst/>
+          </a:prstGeom>
+          <a:ln w="38100">
+            <a:solidFill>
+              <a:schemeClr val="tx1"/>
+            </a:solidFill>
+          </a:ln>
+        </p:spPr>
+        <p:style>
+          <a:lnRef idx="1">
+            <a:schemeClr val="dk1"/>
+          </a:lnRef>
+          <a:fillRef idx="0">
+            <a:schemeClr val="dk1"/>
+          </a:fillRef>
+          <a:effectRef idx="0">
+            <a:schemeClr val="dk1"/>
+          </a:effectRef>
+          <a:fontRef idx="minor">
+            <a:schemeClr val="tx1"/>
+          </a:fontRef>
+        </p:style>
+      </p:cxnSp>
+      <p:cxnSp>
+        <p:nvCxnSpPr>
+          <p:cNvPr id="21" name="直線コネクタ 20">
+            <a:extLst>
+              <a:ext uri="{FF2B5EF4-FFF2-40B4-BE49-F238E27FC236}">
+                <a16:creationId xmlns:a16="http://schemas.microsoft.com/office/drawing/2014/main" id="{B0D24242-9CCA-465A-B695-092F1A6E4C0D}"/>
+              </a:ext>
+            </a:extLst>
+          </p:cNvPr>
+          <p:cNvCxnSpPr>
+            <a:cxnSpLocks/>
+          </p:cNvCxnSpPr>
+          <p:nvPr/>
+        </p:nvCxnSpPr>
+        <p:spPr>
+          <a:xfrm>
+            <a:off x="4399052" y="4186893"/>
+            <a:ext cx="1784833" cy="12416"/>
+          </a:xfrm>
+          <a:prstGeom prst="line">
+            <a:avLst/>
+          </a:prstGeom>
+          <a:ln w="38100">
+            <a:solidFill>
+              <a:schemeClr val="tx1"/>
+            </a:solidFill>
+          </a:ln>
+        </p:spPr>
+        <p:style>
+          <a:lnRef idx="1">
+            <a:schemeClr val="accent1"/>
+          </a:lnRef>
+          <a:fillRef idx="0">
+            <a:schemeClr val="accent1"/>
+          </a:fillRef>
+          <a:effectRef idx="0">
+            <a:schemeClr val="accent1"/>
+          </a:effectRef>
+          <a:fontRef idx="minor">
+            <a:schemeClr val="tx1"/>
+          </a:fontRef>
+        </p:style>
+      </p:cxnSp>
+      <p:sp>
+        <p:nvSpPr>
+          <p:cNvPr id="22" name="テキスト ボックス 21">
+            <a:extLst>
+              <a:ext uri="{FF2B5EF4-FFF2-40B4-BE49-F238E27FC236}">
+                <a16:creationId xmlns:a16="http://schemas.microsoft.com/office/drawing/2014/main" id="{86BC3E6B-4FEF-4638-94A8-FEB6512372FD}"/>
+              </a:ext>
+            </a:extLst>
+          </p:cNvPr>
+          <p:cNvSpPr txBox="1"/>
+          <p:nvPr/>
+        </p:nvSpPr>
+        <p:spPr>
+          <a:xfrm>
+            <a:off x="1716950" y="2241998"/>
+            <a:ext cx="4262761" cy="369332"/>
+          </a:xfrm>
+          <a:prstGeom prst="rect">
+            <a:avLst/>
+          </a:prstGeom>
+          <a:noFill/>
+        </p:spPr>
+        <p:txBody>
+          <a:bodyPr wrap="square" rtlCol="0">
+            <a:spAutoFit/>
+          </a:bodyPr>
+          <a:lstStyle/>
+          <a:p>
+            <a:pPr algn="ctr"/>
+            <a:r>
+              <a:rPr kumimoji="1" lang="ja-JP" altLang="en-US" dirty="0"/>
+              <a:t>半導体ひずみゲージ</a:t>
+            </a:r>
+            <a:r>
+              <a:rPr lang="ja-JP" altLang="en-US" dirty="0"/>
+              <a:t>のレンジ</a:t>
+            </a:r>
+            <a:endParaRPr kumimoji="1" lang="ja-JP" altLang="en-US" dirty="0"/>
+          </a:p>
+        </p:txBody>
+      </p:sp>
+      <p:sp>
+        <p:nvSpPr>
+          <p:cNvPr id="23" name="テキスト ボックス 22">
+            <a:extLst>
+              <a:ext uri="{FF2B5EF4-FFF2-40B4-BE49-F238E27FC236}">
+                <a16:creationId xmlns:a16="http://schemas.microsoft.com/office/drawing/2014/main" id="{F1A4ECCB-66EC-4E0A-8375-923C9150DCF5}"/>
+              </a:ext>
+            </a:extLst>
+          </p:cNvPr>
+          <p:cNvSpPr txBox="1"/>
+          <p:nvPr/>
+        </p:nvSpPr>
+        <p:spPr>
+          <a:xfrm>
+            <a:off x="3611650" y="3138244"/>
+            <a:ext cx="4262761" cy="369332"/>
+          </a:xfrm>
+          <a:prstGeom prst="rect">
+            <a:avLst/>
+          </a:prstGeom>
+          <a:noFill/>
+        </p:spPr>
+        <p:txBody>
+          <a:bodyPr wrap="square" rtlCol="0">
+            <a:spAutoFit/>
+          </a:bodyPr>
+          <a:lstStyle/>
+          <a:p>
+            <a:pPr algn="ctr"/>
+            <a:r>
+              <a:rPr lang="ja-JP" altLang="en-US" dirty="0"/>
+              <a:t>金属箔</a:t>
+            </a:r>
+            <a:r>
+              <a:rPr kumimoji="1" lang="ja-JP" altLang="en-US" dirty="0"/>
+              <a:t>ひずみゲージ</a:t>
+            </a:r>
+            <a:r>
+              <a:rPr lang="ja-JP" altLang="en-US" dirty="0"/>
+              <a:t>のレンジ</a:t>
+            </a:r>
+            <a:endParaRPr kumimoji="1" lang="ja-JP" altLang="en-US" dirty="0"/>
+          </a:p>
+        </p:txBody>
+      </p:sp>
+      <p:cxnSp>
+        <p:nvCxnSpPr>
+          <p:cNvPr id="24" name="直線コネクタ 23">
+            <a:extLst>
+              <a:ext uri="{FF2B5EF4-FFF2-40B4-BE49-F238E27FC236}">
+                <a16:creationId xmlns:a16="http://schemas.microsoft.com/office/drawing/2014/main" id="{4B12323C-DACD-41B7-9826-7A38348EB0DC}"/>
+              </a:ext>
+            </a:extLst>
+          </p:cNvPr>
+          <p:cNvCxnSpPr>
+            <a:cxnSpLocks/>
+          </p:cNvCxnSpPr>
+          <p:nvPr/>
+        </p:nvCxnSpPr>
+        <p:spPr>
+          <a:xfrm flipV="1">
+            <a:off x="2873731" y="2530776"/>
+            <a:ext cx="180000" cy="360000"/>
+          </a:xfrm>
+          <a:prstGeom prst="line">
+            <a:avLst/>
+          </a:prstGeom>
+          <a:ln w="19050">
+            <a:solidFill>
+              <a:schemeClr val="tx1"/>
+            </a:solidFill>
+          </a:ln>
+        </p:spPr>
+        <p:style>
+          <a:lnRef idx="1">
+            <a:schemeClr val="accent1"/>
+          </a:lnRef>
+          <a:fillRef idx="0">
+            <a:schemeClr val="accent1"/>
+          </a:fillRef>
+          <a:effectRef idx="0">
+            <a:schemeClr val="accent1"/>
+          </a:effectRef>
+          <a:fontRef idx="minor">
+            <a:schemeClr val="tx1"/>
+          </a:fontRef>
+        </p:style>
+      </p:cxnSp>
+      <p:cxnSp>
+        <p:nvCxnSpPr>
+          <p:cNvPr id="25" name="直線コネクタ 24">
+            <a:extLst>
+              <a:ext uri="{FF2B5EF4-FFF2-40B4-BE49-F238E27FC236}">
+                <a16:creationId xmlns:a16="http://schemas.microsoft.com/office/drawing/2014/main" id="{FEC29D5A-9F58-4286-BE4B-111847067FDD}"/>
+              </a:ext>
+            </a:extLst>
+          </p:cNvPr>
+          <p:cNvCxnSpPr>
+            <a:cxnSpLocks/>
+          </p:cNvCxnSpPr>
+          <p:nvPr/>
+        </p:nvCxnSpPr>
+        <p:spPr>
+          <a:xfrm flipV="1">
+            <a:off x="6181817" y="3427945"/>
+            <a:ext cx="180000" cy="360000"/>
+          </a:xfrm>
+          <a:prstGeom prst="line">
+            <a:avLst/>
+          </a:prstGeom>
+          <a:ln w="19050">
+            <a:solidFill>
+              <a:schemeClr val="tx1"/>
+            </a:solidFill>
+          </a:ln>
+        </p:spPr>
+        <p:style>
+          <a:lnRef idx="1">
+            <a:schemeClr val="accent1"/>
+          </a:lnRef>
+          <a:fillRef idx="0">
+            <a:schemeClr val="accent1"/>
+          </a:fillRef>
+          <a:effectRef idx="0">
+            <a:schemeClr val="accent1"/>
+          </a:effectRef>
+          <a:fontRef idx="minor">
+            <a:schemeClr val="tx1"/>
+          </a:fontRef>
+        </p:style>
+      </p:cxnSp>
+      <p:sp>
+        <p:nvSpPr>
+          <p:cNvPr id="27" name="テキスト ボックス 26">
+            <a:extLst>
+              <a:ext uri="{FF2B5EF4-FFF2-40B4-BE49-F238E27FC236}">
+                <a16:creationId xmlns:a16="http://schemas.microsoft.com/office/drawing/2014/main" id="{56CB5236-6D40-436E-8BF1-E99655EA848C}"/>
+              </a:ext>
+            </a:extLst>
+          </p:cNvPr>
+          <p:cNvSpPr txBox="1"/>
+          <p:nvPr/>
+        </p:nvSpPr>
+        <p:spPr>
+          <a:xfrm>
+            <a:off x="1528995" y="3457021"/>
+            <a:ext cx="941325" cy="400110"/>
+          </a:xfrm>
+          <a:prstGeom prst="rect">
+            <a:avLst/>
+          </a:prstGeom>
+          <a:noFill/>
+        </p:spPr>
+        <p:txBody>
+          <a:bodyPr wrap="square" rtlCol="0">
+            <a:spAutoFit/>
+          </a:bodyPr>
+          <a:lstStyle/>
+          <a:p>
+            <a:pPr algn="ctr"/>
+            <a:r>
+              <a:rPr kumimoji="1" lang="en-US" altLang="ja-JP" sz="2000" dirty="0"/>
+              <a:t>0.05N</a:t>
+            </a:r>
+            <a:endParaRPr kumimoji="1" lang="ja-JP" altLang="en-US" sz="2000" dirty="0"/>
+          </a:p>
+        </p:txBody>
+      </p:sp>
     </p:spTree>
     <p:extLst>
       <p:ext uri="{BB962C8B-B14F-4D97-AF65-F5344CB8AC3E}">
